--- a/История и методология науки/Наука и строительное дело в Ираке 14-18 века.pptx
+++ b/История и методология науки/Наука и строительное дело в Ираке 14-18 века.pptx
@@ -10,9 +10,11 @@
     <p:sldId id="258" r:id="rId4"/>
     <p:sldId id="259" r:id="rId5"/>
     <p:sldId id="260" r:id="rId6"/>
-    <p:sldId id="261" r:id="rId7"/>
-    <p:sldId id="262" r:id="rId8"/>
-    <p:sldId id="263" r:id="rId9"/>
+    <p:sldId id="264" r:id="rId7"/>
+    <p:sldId id="265" r:id="rId8"/>
+    <p:sldId id="262" r:id="rId9"/>
+    <p:sldId id="263" r:id="rId10"/>
+    <p:sldId id="266" r:id="rId11"/>
   </p:sldIdLst>
   <p:sldSz cx="12192000" cy="6858000"/>
   <p:notesSz cx="6858000" cy="9144000"/>
@@ -111,6 +113,11 @@
       </a:defRPr>
     </a:lvl9pPr>
   </p:defaultTextStyle>
+  <p:extLst>
+    <p:ext uri="{EFAFB233-063F-42B5-8137-9DF3F51BA10A}">
+      <p15:sldGuideLst xmlns:p15="http://schemas.microsoft.com/office/powerpoint/2012/main"/>
+    </p:ext>
+  </p:extLst>
 </p:presentation>
 </file>
 
@@ -277,7 +284,7 @@
           <a:p>
             <a:fld id="{88DC34DF-A329-4290-B156-37C276CBE993}" type="datetimeFigureOut">
               <a:rPr lang="ru-RU" smtClean="0"/>
-              <a:t>08.12.2023</a:t>
+              <a:t>12.12.2023</a:t>
             </a:fld>
             <a:endParaRPr lang="ru-RU"/>
           </a:p>
@@ -447,7 +454,7 @@
           <a:p>
             <a:fld id="{88DC34DF-A329-4290-B156-37C276CBE993}" type="datetimeFigureOut">
               <a:rPr lang="ru-RU" smtClean="0"/>
-              <a:t>08.12.2023</a:t>
+              <a:t>12.12.2023</a:t>
             </a:fld>
             <a:endParaRPr lang="ru-RU"/>
           </a:p>
@@ -627,7 +634,7 @@
           <a:p>
             <a:fld id="{88DC34DF-A329-4290-B156-37C276CBE993}" type="datetimeFigureOut">
               <a:rPr lang="ru-RU" smtClean="0"/>
-              <a:t>08.12.2023</a:t>
+              <a:t>12.12.2023</a:t>
             </a:fld>
             <a:endParaRPr lang="ru-RU"/>
           </a:p>
@@ -797,7 +804,7 @@
           <a:p>
             <a:fld id="{88DC34DF-A329-4290-B156-37C276CBE993}" type="datetimeFigureOut">
               <a:rPr lang="ru-RU" smtClean="0"/>
-              <a:t>08.12.2023</a:t>
+              <a:t>12.12.2023</a:t>
             </a:fld>
             <a:endParaRPr lang="ru-RU"/>
           </a:p>
@@ -1065,7 +1072,7 @@
           <a:p>
             <a:fld id="{88DC34DF-A329-4290-B156-37C276CBE993}" type="datetimeFigureOut">
               <a:rPr lang="ru-RU" smtClean="0"/>
-              <a:t>08.12.2023</a:t>
+              <a:t>12.12.2023</a:t>
             </a:fld>
             <a:endParaRPr lang="ru-RU"/>
           </a:p>
@@ -1297,7 +1304,7 @@
           <a:p>
             <a:fld id="{88DC34DF-A329-4290-B156-37C276CBE993}" type="datetimeFigureOut">
               <a:rPr lang="ru-RU" smtClean="0"/>
-              <a:t>08.12.2023</a:t>
+              <a:t>12.12.2023</a:t>
             </a:fld>
             <a:endParaRPr lang="ru-RU"/>
           </a:p>
@@ -1656,7 +1663,7 @@
           <a:p>
             <a:fld id="{88DC34DF-A329-4290-B156-37C276CBE993}" type="datetimeFigureOut">
               <a:rPr lang="ru-RU" smtClean="0"/>
-              <a:t>08.12.2023</a:t>
+              <a:t>12.12.2023</a:t>
             </a:fld>
             <a:endParaRPr lang="ru-RU"/>
           </a:p>
@@ -1797,7 +1804,7 @@
           <a:p>
             <a:fld id="{88DC34DF-A329-4290-B156-37C276CBE993}" type="datetimeFigureOut">
               <a:rPr lang="ru-RU" smtClean="0"/>
-              <a:t>08.12.2023</a:t>
+              <a:t>12.12.2023</a:t>
             </a:fld>
             <a:endParaRPr lang="ru-RU"/>
           </a:p>
@@ -1892,7 +1899,7 @@
           <a:p>
             <a:fld id="{88DC34DF-A329-4290-B156-37C276CBE993}" type="datetimeFigureOut">
               <a:rPr lang="ru-RU" smtClean="0"/>
-              <a:t>08.12.2023</a:t>
+              <a:t>12.12.2023</a:t>
             </a:fld>
             <a:endParaRPr lang="ru-RU"/>
           </a:p>
@@ -2249,7 +2256,7 @@
           <a:p>
             <a:fld id="{88DC34DF-A329-4290-B156-37C276CBE993}" type="datetimeFigureOut">
               <a:rPr lang="ru-RU" smtClean="0"/>
-              <a:t>08.12.2023</a:t>
+              <a:t>12.12.2023</a:t>
             </a:fld>
             <a:endParaRPr lang="ru-RU"/>
           </a:p>
@@ -2606,7 +2613,7 @@
           <a:p>
             <a:fld id="{88DC34DF-A329-4290-B156-37C276CBE993}" type="datetimeFigureOut">
               <a:rPr lang="ru-RU" smtClean="0"/>
-              <a:t>08.12.2023</a:t>
+              <a:t>12.12.2023</a:t>
             </a:fld>
             <a:endParaRPr lang="ru-RU"/>
           </a:p>
@@ -2848,7 +2855,7 @@
           <a:p>
             <a:fld id="{88DC34DF-A329-4290-B156-37C276CBE993}" type="datetimeFigureOut">
               <a:rPr lang="ru-RU" smtClean="0"/>
-              <a:t>08.12.2023</a:t>
+              <a:t>12.12.2023</a:t>
             </a:fld>
             <a:endParaRPr lang="ru-RU"/>
           </a:p>
@@ -3351,14 +3358,32 @@
           <a:p>
             <a:r>
               <a:rPr lang="ru-RU" dirty="0"/>
-              <a:t>Выполнил:</a:t>
-            </a:r>
+              <a:t>Выполнил</a:t>
+            </a:r>
+            <a:r>
+              <a:rPr lang="ru-RU" dirty="0" smtClean="0"/>
+              <a:t>: </a:t>
+            </a:r>
+            <a:r>
+              <a:rPr lang="ru-RU" dirty="0" err="1" smtClean="0"/>
+              <a:t>Забаровский</a:t>
+            </a:r>
+            <a:r>
+              <a:rPr lang="ru-RU" dirty="0" smtClean="0"/>
+              <a:t> Р.В.</a:t>
+            </a:r>
+            <a:endParaRPr lang="ru-RU" dirty="0"/>
           </a:p>
           <a:p>
             <a:r>
               <a:rPr lang="ru-RU" dirty="0"/>
-              <a:t>Группа:</a:t>
-            </a:r>
+              <a:t>Группа</a:t>
+            </a:r>
+            <a:r>
+              <a:rPr lang="ru-RU" dirty="0" smtClean="0"/>
+              <a:t>: 3140801/21702</a:t>
+            </a:r>
+            <a:endParaRPr lang="ru-RU" dirty="0"/>
           </a:p>
         </p:txBody>
       </p:sp>
@@ -3372,13 +3397,13 @@
   <p:clrMapOvr>
     <a:masterClrMapping/>
   </p:clrMapOvr>
-  <mc:AlternateContent xmlns:mc="http://schemas.openxmlformats.org/markup-compatibility/2006">
-    <mc:Choice xmlns:p14="http://schemas.microsoft.com/office/powerpoint/2010/main" Requires="p14">
+  <mc:AlternateContent xmlns:mc="http://schemas.openxmlformats.org/markup-compatibility/2006" xmlns:p14="http://schemas.microsoft.com/office/powerpoint/2010/main">
+    <mc:Choice Requires="p14">
       <p:transition spd="med" p14:dur="700">
         <p:fade/>
       </p:transition>
     </mc:Choice>
-    <mc:Fallback>
+    <mc:Fallback xmlns="">
       <p:transition spd="med">
         <p:fade/>
       </p:transition>
@@ -3387,211 +3412,74 @@
   <p:timing>
     <p:tnLst>
       <p:par>
-        <p:cTn id="1" dur="indefinite" restart="never" nodeType="tmRoot">
-          <p:childTnLst>
-            <p:seq concurrent="1" nextAc="seek">
-              <p:cTn id="2" dur="indefinite" nodeType="mainSeq">
-                <p:childTnLst>
-                  <p:par>
-                    <p:cTn id="3" fill="hold">
-                      <p:stCondLst>
-                        <p:cond delay="indefinite"/>
-                      </p:stCondLst>
-                      <p:childTnLst>
-                        <p:par>
-                          <p:cTn id="4" fill="hold">
-                            <p:stCondLst>
-                              <p:cond delay="0"/>
-                            </p:stCondLst>
-                            <p:childTnLst>
-                              <p:par>
-                                <p:cTn id="5" presetID="10" presetClass="entr" presetSubtype="0" fill="hold" grpId="0" nodeType="clickEffect">
-                                  <p:stCondLst>
-                                    <p:cond delay="0"/>
-                                  </p:stCondLst>
-                                  <p:childTnLst>
-                                    <p:set>
-                                      <p:cBhvr>
-                                        <p:cTn id="6" dur="1" fill="hold">
-                                          <p:stCondLst>
-                                            <p:cond delay="0"/>
-                                          </p:stCondLst>
-                                        </p:cTn>
-                                        <p:tgtEl>
-                                          <p:spTgt spid="2"/>
-                                        </p:tgtEl>
-                                        <p:attrNameLst>
-                                          <p:attrName>style.visibility</p:attrName>
-                                        </p:attrNameLst>
-                                      </p:cBhvr>
-                                      <p:to>
-                                        <p:strVal val="visible"/>
-                                      </p:to>
-                                    </p:set>
-                                    <p:animEffect transition="in" filter="fade">
-                                      <p:cBhvr>
-                                        <p:cTn id="7" dur="500"/>
-                                        <p:tgtEl>
-                                          <p:spTgt spid="2"/>
-                                        </p:tgtEl>
-                                      </p:cBhvr>
-                                    </p:animEffect>
-                                  </p:childTnLst>
-                                </p:cTn>
-                              </p:par>
-                            </p:childTnLst>
-                          </p:cTn>
-                        </p:par>
-                      </p:childTnLst>
-                    </p:cTn>
-                  </p:par>
-                  <p:par>
-                    <p:cTn id="8" fill="hold">
-                      <p:stCondLst>
-                        <p:cond delay="indefinite"/>
-                      </p:stCondLst>
-                      <p:childTnLst>
-                        <p:par>
-                          <p:cTn id="9" fill="hold">
-                            <p:stCondLst>
-                              <p:cond delay="0"/>
-                            </p:stCondLst>
-                            <p:childTnLst>
-                              <p:par>
-                                <p:cTn id="10" presetID="10" presetClass="entr" presetSubtype="0" fill="hold" grpId="0" nodeType="clickEffect">
-                                  <p:stCondLst>
-                                    <p:cond delay="0"/>
-                                  </p:stCondLst>
-                                  <p:childTnLst>
-                                    <p:set>
-                                      <p:cBhvr>
-                                        <p:cTn id="11" dur="1" fill="hold">
-                                          <p:stCondLst>
-                                            <p:cond delay="0"/>
-                                          </p:stCondLst>
-                                        </p:cTn>
-                                        <p:tgtEl>
-                                          <p:spTgt spid="3">
-                                            <p:txEl>
-                                              <p:pRg st="0" end="0"/>
-                                            </p:txEl>
-                                          </p:spTgt>
-                                        </p:tgtEl>
-                                        <p:attrNameLst>
-                                          <p:attrName>style.visibility</p:attrName>
-                                        </p:attrNameLst>
-                                      </p:cBhvr>
-                                      <p:to>
-                                        <p:strVal val="visible"/>
-                                      </p:to>
-                                    </p:set>
-                                    <p:animEffect transition="in" filter="fade">
-                                      <p:cBhvr>
-                                        <p:cTn id="12" dur="500"/>
-                                        <p:tgtEl>
-                                          <p:spTgt spid="3">
-                                            <p:txEl>
-                                              <p:pRg st="0" end="0"/>
-                                            </p:txEl>
-                                          </p:spTgt>
-                                        </p:tgtEl>
-                                      </p:cBhvr>
-                                    </p:animEffect>
-                                  </p:childTnLst>
-                                </p:cTn>
-                              </p:par>
-                            </p:childTnLst>
-                          </p:cTn>
-                        </p:par>
-                      </p:childTnLst>
-                    </p:cTn>
-                  </p:par>
-                  <p:par>
-                    <p:cTn id="13" fill="hold">
-                      <p:stCondLst>
-                        <p:cond delay="indefinite"/>
-                      </p:stCondLst>
-                      <p:childTnLst>
-                        <p:par>
-                          <p:cTn id="14" fill="hold">
-                            <p:stCondLst>
-                              <p:cond delay="0"/>
-                            </p:stCondLst>
-                            <p:childTnLst>
-                              <p:par>
-                                <p:cTn id="15" presetID="10" presetClass="entr" presetSubtype="0" fill="hold" grpId="0" nodeType="clickEffect">
-                                  <p:stCondLst>
-                                    <p:cond delay="0"/>
-                                  </p:stCondLst>
-                                  <p:childTnLst>
-                                    <p:set>
-                                      <p:cBhvr>
-                                        <p:cTn id="16" dur="1" fill="hold">
-                                          <p:stCondLst>
-                                            <p:cond delay="0"/>
-                                          </p:stCondLst>
-                                        </p:cTn>
-                                        <p:tgtEl>
-                                          <p:spTgt spid="3">
-                                            <p:txEl>
-                                              <p:pRg st="1" end="1"/>
-                                            </p:txEl>
-                                          </p:spTgt>
-                                        </p:tgtEl>
-                                        <p:attrNameLst>
-                                          <p:attrName>style.visibility</p:attrName>
-                                        </p:attrNameLst>
-                                      </p:cBhvr>
-                                      <p:to>
-                                        <p:strVal val="visible"/>
-                                      </p:to>
-                                    </p:set>
-                                    <p:animEffect transition="in" filter="fade">
-                                      <p:cBhvr>
-                                        <p:cTn id="17" dur="500"/>
-                                        <p:tgtEl>
-                                          <p:spTgt spid="3">
-                                            <p:txEl>
-                                              <p:pRg st="1" end="1"/>
-                                            </p:txEl>
-                                          </p:spTgt>
-                                        </p:tgtEl>
-                                      </p:cBhvr>
-                                    </p:animEffect>
-                                  </p:childTnLst>
-                                </p:cTn>
-                              </p:par>
-                            </p:childTnLst>
-                          </p:cTn>
-                        </p:par>
-                      </p:childTnLst>
-                    </p:cTn>
-                  </p:par>
-                </p:childTnLst>
-              </p:cTn>
-              <p:prevCondLst>
-                <p:cond evt="onPrev" delay="0">
-                  <p:tgtEl>
-                    <p:sldTgt/>
-                  </p:tgtEl>
-                </p:cond>
-              </p:prevCondLst>
-              <p:nextCondLst>
-                <p:cond evt="onNext" delay="0">
-                  <p:tgtEl>
-                    <p:sldTgt/>
-                  </p:tgtEl>
-                </p:cond>
-              </p:nextCondLst>
-            </p:seq>
-          </p:childTnLst>
-        </p:cTn>
+        <p:cTn id="1" dur="indefinite" restart="never" nodeType="tmRoot"/>
       </p:par>
     </p:tnLst>
-    <p:bldLst>
-      <p:bldP spid="2" grpId="0" animBg="1"/>
-      <p:bldP spid="3" grpId="0" build="p"/>
-    </p:bldLst>
+  </p:timing>
+</p:sld>
+</file>
+
+<file path=ppt/slides/slide10.xml><?xml version="1.0" encoding="utf-8"?>
+<p:sld xmlns:a="http://schemas.openxmlformats.org/drawingml/2006/main" xmlns:r="http://schemas.openxmlformats.org/officeDocument/2006/relationships" xmlns:p="http://schemas.openxmlformats.org/presentationml/2006/main">
+  <p:cSld>
+    <p:spTree>
+      <p:nvGrpSpPr>
+        <p:cNvPr id="1" name=""/>
+        <p:cNvGrpSpPr/>
+        <p:nvPr/>
+      </p:nvGrpSpPr>
+      <p:grpSpPr>
+        <a:xfrm>
+          <a:off x="0" y="0"/>
+          <a:ext cx="0" cy="0"/>
+          <a:chOff x="0" y="0"/>
+          <a:chExt cx="0" cy="0"/>
+        </a:xfrm>
+      </p:grpSpPr>
+      <p:sp>
+        <p:nvSpPr>
+          <p:cNvPr id="2" name="Заголовок 1"/>
+          <p:cNvSpPr>
+            <a:spLocks noGrp="1"/>
+          </p:cNvSpPr>
+          <p:nvPr>
+            <p:ph type="title"/>
+          </p:nvPr>
+        </p:nvSpPr>
+        <p:spPr>
+          <a:xfrm>
+            <a:off x="2317197" y="2858038"/>
+            <a:ext cx="7729728" cy="1188720"/>
+          </a:xfrm>
+        </p:spPr>
+        <p:txBody>
+          <a:bodyPr/>
+          <a:lstStyle/>
+          <a:p>
+            <a:r>
+              <a:rPr lang="ru-RU" dirty="0" smtClean="0"/>
+              <a:t>Спасибо за внимание</a:t>
+            </a:r>
+            <a:endParaRPr lang="ru-RU" dirty="0"/>
+          </a:p>
+        </p:txBody>
+      </p:sp>
+    </p:spTree>
+    <p:extLst>
+      <p:ext uri="{BB962C8B-B14F-4D97-AF65-F5344CB8AC3E}">
+        <p14:creationId xmlns:p14="http://schemas.microsoft.com/office/powerpoint/2010/main" val="3644604830"/>
+      </p:ext>
+    </p:extLst>
+  </p:cSld>
+  <p:clrMapOvr>
+    <a:masterClrMapping/>
+  </p:clrMapOvr>
+  <p:timing>
+    <p:tnLst>
+      <p:par>
+        <p:cTn id="1" dur="indefinite" restart="never" nodeType="tmRoot"/>
+      </p:par>
+    </p:tnLst>
   </p:timing>
 </p:sld>
 </file>
@@ -3659,8 +3547,8 @@
         </p:nvSpPr>
         <p:spPr>
           <a:xfrm>
-            <a:off x="330200" y="2294467"/>
-            <a:ext cx="5765800" cy="4334933"/>
+            <a:off x="330200" y="2294468"/>
+            <a:ext cx="5765800" cy="3331782"/>
           </a:xfrm>
         </p:spPr>
         <p:txBody>
@@ -3679,10 +3567,21 @@
                 <a:ea typeface="Times New Roman" panose="02020603050405020304" pitchFamily="18" charset="0"/>
                 <a:cs typeface="Times New Roman" panose="02020603050405020304" pitchFamily="18" charset="0"/>
               </a:rPr>
-              <a:t>Некоторые историки науки называют период с VIII по XVI века золотым веком ислама. В то время как остальная Европа погрузилась во тьму, а обучение застопорилось, научная деятельность в мусульманском мире в этот период была феноменальной. Некоторые ученые предпочитают термин «арабская наука», поскольку большинство документов были написаны на арабском языке, который был </a:t>
-            </a:r>
-            <a:r>
-              <a:rPr lang="ru-RU" sz="1800" spc="-10" dirty="0" err="1">
+              <a:t>Некоторые историки науки называют период с </a:t>
+            </a:r>
+            <a:r>
+              <a:rPr lang="ru-RU" spc="-10" dirty="0">
+                <a:solidFill>
+                  <a:srgbClr val="000000"/>
+                </a:solidFill>
+                <a:latin typeface="Times New Roman" panose="02020603050405020304" pitchFamily="18" charset="0"/>
+                <a:ea typeface="Times New Roman" panose="02020603050405020304" pitchFamily="18" charset="0"/>
+                <a:cs typeface="Times New Roman" panose="02020603050405020304" pitchFamily="18" charset="0"/>
+              </a:rPr>
+              <a:t>8</a:t>
+            </a:r>
+            <a:r>
+              <a:rPr lang="ru-RU" sz="1800" spc="-10" dirty="0" smtClean="0">
                 <a:solidFill>
                   <a:srgbClr val="000000"/>
                 </a:solidFill>
@@ -3691,7 +3590,7 @@
                 <a:ea typeface="Times New Roman" panose="02020603050405020304" pitchFamily="18" charset="0"/>
                 <a:cs typeface="Times New Roman" panose="02020603050405020304" pitchFamily="18" charset="0"/>
               </a:rPr>
-              <a:t>лингва</a:t>
+              <a:t> </a:t>
             </a:r>
             <a:r>
               <a:rPr lang="ru-RU" sz="1800" spc="-10" dirty="0">
@@ -3703,7 +3602,90 @@
                 <a:ea typeface="Times New Roman" panose="02020603050405020304" pitchFamily="18" charset="0"/>
                 <a:cs typeface="Times New Roman" panose="02020603050405020304" pitchFamily="18" charset="0"/>
               </a:rPr>
-              <a:t> франка региона. Однако не все ученые были арабами и не все были мусульманами. Важными центрами обучения в то время были Багдад, Дамаск, Каир, а затем Кордова в Испании. В этих городах развивались научные учреждения и школы, укомплектованные учеными высочайшего уровня, которые посвятили себя сбору информации и развитию новых школ мысли. </a:t>
+              <a:t>по </a:t>
+            </a:r>
+            <a:r>
+              <a:rPr lang="ru-RU" spc="-10" dirty="0" smtClean="0">
+                <a:solidFill>
+                  <a:srgbClr val="000000"/>
+                </a:solidFill>
+                <a:latin typeface="Times New Roman" panose="02020603050405020304" pitchFamily="18" charset="0"/>
+                <a:ea typeface="Times New Roman" panose="02020603050405020304" pitchFamily="18" charset="0"/>
+                <a:cs typeface="Times New Roman" panose="02020603050405020304" pitchFamily="18" charset="0"/>
+              </a:rPr>
+              <a:t>16</a:t>
+            </a:r>
+            <a:r>
+              <a:rPr lang="ru-RU" sz="1800" spc="-10" dirty="0" smtClean="0">
+                <a:solidFill>
+                  <a:srgbClr val="000000"/>
+                </a:solidFill>
+                <a:effectLst/>
+                <a:latin typeface="Times New Roman" panose="02020603050405020304" pitchFamily="18" charset="0"/>
+                <a:ea typeface="Times New Roman" panose="02020603050405020304" pitchFamily="18" charset="0"/>
+                <a:cs typeface="Times New Roman" panose="02020603050405020304" pitchFamily="18" charset="0"/>
+              </a:rPr>
+              <a:t> </a:t>
+            </a:r>
+            <a:r>
+              <a:rPr lang="ru-RU" sz="1800" spc="-10" dirty="0">
+                <a:solidFill>
+                  <a:srgbClr val="000000"/>
+                </a:solidFill>
+                <a:effectLst/>
+                <a:latin typeface="Times New Roman" panose="02020603050405020304" pitchFamily="18" charset="0"/>
+                <a:ea typeface="Times New Roman" panose="02020603050405020304" pitchFamily="18" charset="0"/>
+                <a:cs typeface="Times New Roman" panose="02020603050405020304" pitchFamily="18" charset="0"/>
+              </a:rPr>
+              <a:t>века золотым веком ислама. </a:t>
+            </a:r>
+            <a:r>
+              <a:rPr lang="ru-RU" sz="1800" spc="-10" dirty="0" smtClean="0">
+                <a:solidFill>
+                  <a:srgbClr val="000000"/>
+                </a:solidFill>
+                <a:effectLst/>
+                <a:latin typeface="Times New Roman" panose="02020603050405020304" pitchFamily="18" charset="0"/>
+                <a:ea typeface="Times New Roman" panose="02020603050405020304" pitchFamily="18" charset="0"/>
+                <a:cs typeface="Times New Roman" panose="02020603050405020304" pitchFamily="18" charset="0"/>
+              </a:rPr>
+              <a:t>Некоторые </a:t>
+            </a:r>
+            <a:r>
+              <a:rPr lang="ru-RU" sz="1800" spc="-10" dirty="0">
+                <a:solidFill>
+                  <a:srgbClr val="000000"/>
+                </a:solidFill>
+                <a:effectLst/>
+                <a:latin typeface="Times New Roman" panose="02020603050405020304" pitchFamily="18" charset="0"/>
+                <a:ea typeface="Times New Roman" panose="02020603050405020304" pitchFamily="18" charset="0"/>
+                <a:cs typeface="Times New Roman" panose="02020603050405020304" pitchFamily="18" charset="0"/>
+              </a:rPr>
+              <a:t>ученые предпочитают термин «арабская наука», поскольку большинство документов были написаны на арабском </a:t>
+            </a:r>
+            <a:r>
+              <a:rPr lang="ru-RU" sz="1800" spc="-10" dirty="0" smtClean="0">
+                <a:solidFill>
+                  <a:srgbClr val="000000"/>
+                </a:solidFill>
+                <a:effectLst/>
+                <a:latin typeface="Times New Roman" panose="02020603050405020304" pitchFamily="18" charset="0"/>
+                <a:ea typeface="Times New Roman" panose="02020603050405020304" pitchFamily="18" charset="0"/>
+                <a:cs typeface="Times New Roman" panose="02020603050405020304" pitchFamily="18" charset="0"/>
+              </a:rPr>
+              <a:t>языке. </a:t>
+            </a:r>
+            <a:r>
+              <a:rPr lang="ru-RU" sz="1800" spc="-10" dirty="0">
+                <a:solidFill>
+                  <a:srgbClr val="000000"/>
+                </a:solidFill>
+                <a:effectLst/>
+                <a:latin typeface="Times New Roman" panose="02020603050405020304" pitchFamily="18" charset="0"/>
+                <a:ea typeface="Times New Roman" panose="02020603050405020304" pitchFamily="18" charset="0"/>
+                <a:cs typeface="Times New Roman" panose="02020603050405020304" pitchFamily="18" charset="0"/>
+              </a:rPr>
+              <a:t>Однако не все ученые были арабами и не все были мусульманами. Важными центрами обучения в то время были Багдад, Дамаск, Каир, а затем Кордова в Испании. В этих городах развивались научные учреждения и школы, укомплектованные учеными высочайшего уровня, которые посвятили себя сбору информации и развитию новых школ мысли. </a:t>
             </a:r>
             <a:endParaRPr lang="ru-RU" sz="1800" dirty="0">
               <a:effectLst/>
@@ -3776,216 +3758,18 @@
   </p:clrMapOvr>
   <mc:AlternateContent xmlns:mc="http://schemas.openxmlformats.org/markup-compatibility/2006">
     <mc:Choice xmlns:p14="http://schemas.microsoft.com/office/powerpoint/2010/main" Requires="p14">
-      <p:transition spd="med" p14:dur="700">
-        <p:fade/>
-      </p:transition>
+      <p:transition p14:dur="0"/>
     </mc:Choice>
     <mc:Fallback>
-      <p:transition spd="med">
-        <p:fade/>
-      </p:transition>
+      <p:transition/>
     </mc:Fallback>
   </mc:AlternateContent>
   <p:timing>
     <p:tnLst>
       <p:par>
-        <p:cTn id="1" dur="indefinite" restart="never" nodeType="tmRoot">
-          <p:childTnLst>
-            <p:seq concurrent="1" nextAc="seek">
-              <p:cTn id="2" dur="indefinite" nodeType="mainSeq">
-                <p:childTnLst>
-                  <p:par>
-                    <p:cTn id="3" fill="hold">
-                      <p:stCondLst>
-                        <p:cond delay="indefinite"/>
-                      </p:stCondLst>
-                      <p:childTnLst>
-                        <p:par>
-                          <p:cTn id="4" fill="hold">
-                            <p:stCondLst>
-                              <p:cond delay="0"/>
-                            </p:stCondLst>
-                            <p:childTnLst>
-                              <p:par>
-                                <p:cTn id="5" presetID="10" presetClass="entr" presetSubtype="0" fill="hold" grpId="0" nodeType="clickEffect">
-                                  <p:stCondLst>
-                                    <p:cond delay="0"/>
-                                  </p:stCondLst>
-                                  <p:childTnLst>
-                                    <p:set>
-                                      <p:cBhvr>
-                                        <p:cTn id="6" dur="1" fill="hold">
-                                          <p:stCondLst>
-                                            <p:cond delay="0"/>
-                                          </p:stCondLst>
-                                        </p:cTn>
-                                        <p:tgtEl>
-                                          <p:spTgt spid="2"/>
-                                        </p:tgtEl>
-                                        <p:attrNameLst>
-                                          <p:attrName>style.visibility</p:attrName>
-                                        </p:attrNameLst>
-                                      </p:cBhvr>
-                                      <p:to>
-                                        <p:strVal val="visible"/>
-                                      </p:to>
-                                    </p:set>
-                                    <p:animEffect transition="in" filter="fade">
-                                      <p:cBhvr>
-                                        <p:cTn id="7" dur="500"/>
-                                        <p:tgtEl>
-                                          <p:spTgt spid="2"/>
-                                        </p:tgtEl>
-                                      </p:cBhvr>
-                                    </p:animEffect>
-                                  </p:childTnLst>
-                                </p:cTn>
-                              </p:par>
-                            </p:childTnLst>
-                          </p:cTn>
-                        </p:par>
-                      </p:childTnLst>
-                    </p:cTn>
-                  </p:par>
-                  <p:par>
-                    <p:cTn id="8" fill="hold">
-                      <p:stCondLst>
-                        <p:cond delay="indefinite"/>
-                      </p:stCondLst>
-                      <p:childTnLst>
-                        <p:par>
-                          <p:cTn id="9" fill="hold">
-                            <p:stCondLst>
-                              <p:cond delay="0"/>
-                            </p:stCondLst>
-                            <p:childTnLst>
-                              <p:par>
-                                <p:cTn id="10" presetID="10" presetClass="entr" presetSubtype="0" fill="hold" grpId="0" nodeType="clickEffect">
-                                  <p:stCondLst>
-                                    <p:cond delay="0"/>
-                                  </p:stCondLst>
-                                  <p:childTnLst>
-                                    <p:set>
-                                      <p:cBhvr>
-                                        <p:cTn id="11" dur="1" fill="hold">
-                                          <p:stCondLst>
-                                            <p:cond delay="0"/>
-                                          </p:stCondLst>
-                                        </p:cTn>
-                                        <p:tgtEl>
-                                          <p:spTgt spid="3">
-                                            <p:txEl>
-                                              <p:pRg st="0" end="0"/>
-                                            </p:txEl>
-                                          </p:spTgt>
-                                        </p:tgtEl>
-                                        <p:attrNameLst>
-                                          <p:attrName>style.visibility</p:attrName>
-                                        </p:attrNameLst>
-                                      </p:cBhvr>
-                                      <p:to>
-                                        <p:strVal val="visible"/>
-                                      </p:to>
-                                    </p:set>
-                                    <p:animEffect transition="in" filter="fade">
-                                      <p:cBhvr>
-                                        <p:cTn id="12" dur="500"/>
-                                        <p:tgtEl>
-                                          <p:spTgt spid="3">
-                                            <p:txEl>
-                                              <p:pRg st="0" end="0"/>
-                                            </p:txEl>
-                                          </p:spTgt>
-                                        </p:tgtEl>
-                                      </p:cBhvr>
-                                    </p:animEffect>
-                                  </p:childTnLst>
-                                </p:cTn>
-                              </p:par>
-                            </p:childTnLst>
-                          </p:cTn>
-                        </p:par>
-                      </p:childTnLst>
-                    </p:cTn>
-                  </p:par>
-                  <p:par>
-                    <p:cTn id="13" fill="hold">
-                      <p:stCondLst>
-                        <p:cond delay="indefinite"/>
-                      </p:stCondLst>
-                      <p:childTnLst>
-                        <p:par>
-                          <p:cTn id="14" fill="hold">
-                            <p:stCondLst>
-                              <p:cond delay="0"/>
-                            </p:stCondLst>
-                            <p:childTnLst>
-                              <p:par>
-                                <p:cTn id="15" presetID="10" presetClass="entr" presetSubtype="0" fill="hold" nodeType="clickEffect">
-                                  <p:stCondLst>
-                                    <p:cond delay="0"/>
-                                  </p:stCondLst>
-                                  <p:childTnLst>
-                                    <p:set>
-                                      <p:cBhvr>
-                                        <p:cTn id="16" dur="1" fill="hold">
-                                          <p:stCondLst>
-                                            <p:cond delay="0"/>
-                                          </p:stCondLst>
-                                        </p:cTn>
-                                        <p:tgtEl>
-                                          <p:spTgt spid="1026"/>
-                                        </p:tgtEl>
-                                        <p:attrNameLst>
-                                          <p:attrName>style.visibility</p:attrName>
-                                        </p:attrNameLst>
-                                      </p:cBhvr>
-                                      <p:to>
-                                        <p:strVal val="visible"/>
-                                      </p:to>
-                                    </p:set>
-                                    <p:animEffect transition="in" filter="fade">
-                                      <p:cBhvr>
-                                        <p:cTn id="17" dur="500"/>
-                                        <p:tgtEl>
-                                          <p:spTgt spid="1026"/>
-                                        </p:tgtEl>
-                                      </p:cBhvr>
-                                    </p:animEffect>
-                                  </p:childTnLst>
-                                </p:cTn>
-                              </p:par>
-                            </p:childTnLst>
-                          </p:cTn>
-                        </p:par>
-                      </p:childTnLst>
-                    </p:cTn>
-                  </p:par>
-                </p:childTnLst>
-              </p:cTn>
-              <p:prevCondLst>
-                <p:cond evt="onPrev" delay="0">
-                  <p:tgtEl>
-                    <p:sldTgt/>
-                  </p:tgtEl>
-                </p:cond>
-              </p:prevCondLst>
-              <p:nextCondLst>
-                <p:cond evt="onNext" delay="0">
-                  <p:tgtEl>
-                    <p:sldTgt/>
-                  </p:tgtEl>
-                </p:cond>
-              </p:nextCondLst>
-            </p:seq>
-          </p:childTnLst>
-        </p:cTn>
+        <p:cTn id="1" dur="indefinite" restart="never" nodeType="tmRoot"/>
       </p:par>
     </p:tnLst>
-    <p:bldLst>
-      <p:bldP spid="2" grpId="0" animBg="1"/>
-      <p:bldP spid="3" grpId="0" build="p"/>
-    </p:bldLst>
   </p:timing>
 </p:sld>
 </file>
@@ -4071,7 +3855,42 @@
                 <a:ea typeface="Calibri" panose="020F0502020204030204" pitchFamily="34" charset="0"/>
                 <a:cs typeface="Times New Roman" panose="02020603050405020304" pitchFamily="18" charset="0"/>
               </a:rPr>
-              <a:t>Мусульманские алхимики (ранние предшественники современных химиков) X-XIV веков, вдохновленные древними химическими формулами из Китая и Индии, славились бесконечными экспериментами, которые они проводили в своих лабораториях. Их цели варьировались от поиска химического эликсира, дарующего жизнь, до превращения неблагородных металлов в золото. Хотя им так и не удалось достичь своих конечных целей, они сделали множество ценных открытий, в том числе перегонку нефти и ковку стали.</a:t>
+              <a:t>Мусульманские алхимики (ранние предшественники современных химиков) </a:t>
+            </a:r>
+            <a:r>
+              <a:rPr lang="ru-RU" dirty="0" smtClean="0">
+                <a:solidFill>
+                  <a:srgbClr val="000000"/>
+                </a:solidFill>
+                <a:latin typeface="Times New Roman" panose="02020603050405020304" pitchFamily="18" charset="0"/>
+                <a:ea typeface="Calibri" panose="020F0502020204030204" pitchFamily="34" charset="0"/>
+                <a:cs typeface="Times New Roman" panose="02020603050405020304" pitchFamily="18" charset="0"/>
+              </a:rPr>
+              <a:t>10-14</a:t>
+            </a:r>
+            <a:r>
+              <a:rPr lang="ru-RU" sz="1800" dirty="0" smtClean="0">
+                <a:solidFill>
+                  <a:srgbClr val="000000"/>
+                </a:solidFill>
+                <a:effectLst/>
+                <a:latin typeface="Times New Roman" panose="02020603050405020304" pitchFamily="18" charset="0"/>
+                <a:ea typeface="Calibri" panose="020F0502020204030204" pitchFamily="34" charset="0"/>
+                <a:cs typeface="Times New Roman" panose="02020603050405020304" pitchFamily="18" charset="0"/>
+              </a:rPr>
+              <a:t> </a:t>
+            </a:r>
+            <a:r>
+              <a:rPr lang="ru-RU" sz="1800" dirty="0">
+                <a:solidFill>
+                  <a:srgbClr val="000000"/>
+                </a:solidFill>
+                <a:effectLst/>
+                <a:latin typeface="Times New Roman" panose="02020603050405020304" pitchFamily="18" charset="0"/>
+                <a:ea typeface="Calibri" panose="020F0502020204030204" pitchFamily="34" charset="0"/>
+                <a:cs typeface="Times New Roman" panose="02020603050405020304" pitchFamily="18" charset="0"/>
+              </a:rPr>
+              <a:t>веков, вдохновленные древними химическими формулами из Китая и Индии, славились бесконечными экспериментами, которые они проводили в своих лабораториях. Их цели варьировались от поиска химического эликсира, дарующего жизнь, до превращения неблагородных металлов в золото. Хотя им так и не удалось достичь своих конечных целей, они сделали множество ценных открытий, в том числе перегонку нефти и ковку стали.</a:t>
             </a:r>
             <a:endParaRPr lang="ru-RU" sz="1800" dirty="0">
               <a:effectLst/>
@@ -4144,216 +3963,18 @@
   </p:clrMapOvr>
   <mc:AlternateContent xmlns:mc="http://schemas.openxmlformats.org/markup-compatibility/2006">
     <mc:Choice xmlns:p14="http://schemas.microsoft.com/office/powerpoint/2010/main" Requires="p14">
-      <p:transition spd="med" p14:dur="700">
-        <p:fade/>
-      </p:transition>
+      <p:transition p14:dur="0"/>
     </mc:Choice>
     <mc:Fallback>
-      <p:transition spd="med">
-        <p:fade/>
-      </p:transition>
+      <p:transition/>
     </mc:Fallback>
   </mc:AlternateContent>
   <p:timing>
     <p:tnLst>
       <p:par>
-        <p:cTn id="1" dur="indefinite" restart="never" nodeType="tmRoot">
-          <p:childTnLst>
-            <p:seq concurrent="1" nextAc="seek">
-              <p:cTn id="2" dur="indefinite" nodeType="mainSeq">
-                <p:childTnLst>
-                  <p:par>
-                    <p:cTn id="3" fill="hold">
-                      <p:stCondLst>
-                        <p:cond delay="indefinite"/>
-                      </p:stCondLst>
-                      <p:childTnLst>
-                        <p:par>
-                          <p:cTn id="4" fill="hold">
-                            <p:stCondLst>
-                              <p:cond delay="0"/>
-                            </p:stCondLst>
-                            <p:childTnLst>
-                              <p:par>
-                                <p:cTn id="5" presetID="10" presetClass="entr" presetSubtype="0" fill="hold" grpId="0" nodeType="clickEffect">
-                                  <p:stCondLst>
-                                    <p:cond delay="0"/>
-                                  </p:stCondLst>
-                                  <p:childTnLst>
-                                    <p:set>
-                                      <p:cBhvr>
-                                        <p:cTn id="6" dur="1" fill="hold">
-                                          <p:stCondLst>
-                                            <p:cond delay="0"/>
-                                          </p:stCondLst>
-                                        </p:cTn>
-                                        <p:tgtEl>
-                                          <p:spTgt spid="2"/>
-                                        </p:tgtEl>
-                                        <p:attrNameLst>
-                                          <p:attrName>style.visibility</p:attrName>
-                                        </p:attrNameLst>
-                                      </p:cBhvr>
-                                      <p:to>
-                                        <p:strVal val="visible"/>
-                                      </p:to>
-                                    </p:set>
-                                    <p:animEffect transition="in" filter="fade">
-                                      <p:cBhvr>
-                                        <p:cTn id="7" dur="500"/>
-                                        <p:tgtEl>
-                                          <p:spTgt spid="2"/>
-                                        </p:tgtEl>
-                                      </p:cBhvr>
-                                    </p:animEffect>
-                                  </p:childTnLst>
-                                </p:cTn>
-                              </p:par>
-                            </p:childTnLst>
-                          </p:cTn>
-                        </p:par>
-                      </p:childTnLst>
-                    </p:cTn>
-                  </p:par>
-                  <p:par>
-                    <p:cTn id="8" fill="hold">
-                      <p:stCondLst>
-                        <p:cond delay="indefinite"/>
-                      </p:stCondLst>
-                      <p:childTnLst>
-                        <p:par>
-                          <p:cTn id="9" fill="hold">
-                            <p:stCondLst>
-                              <p:cond delay="0"/>
-                            </p:stCondLst>
-                            <p:childTnLst>
-                              <p:par>
-                                <p:cTn id="10" presetID="10" presetClass="entr" presetSubtype="0" fill="hold" grpId="0" nodeType="clickEffect">
-                                  <p:stCondLst>
-                                    <p:cond delay="0"/>
-                                  </p:stCondLst>
-                                  <p:childTnLst>
-                                    <p:set>
-                                      <p:cBhvr>
-                                        <p:cTn id="11" dur="1" fill="hold">
-                                          <p:stCondLst>
-                                            <p:cond delay="0"/>
-                                          </p:stCondLst>
-                                        </p:cTn>
-                                        <p:tgtEl>
-                                          <p:spTgt spid="3">
-                                            <p:txEl>
-                                              <p:pRg st="0" end="0"/>
-                                            </p:txEl>
-                                          </p:spTgt>
-                                        </p:tgtEl>
-                                        <p:attrNameLst>
-                                          <p:attrName>style.visibility</p:attrName>
-                                        </p:attrNameLst>
-                                      </p:cBhvr>
-                                      <p:to>
-                                        <p:strVal val="visible"/>
-                                      </p:to>
-                                    </p:set>
-                                    <p:animEffect transition="in" filter="fade">
-                                      <p:cBhvr>
-                                        <p:cTn id="12" dur="500"/>
-                                        <p:tgtEl>
-                                          <p:spTgt spid="3">
-                                            <p:txEl>
-                                              <p:pRg st="0" end="0"/>
-                                            </p:txEl>
-                                          </p:spTgt>
-                                        </p:tgtEl>
-                                      </p:cBhvr>
-                                    </p:animEffect>
-                                  </p:childTnLst>
-                                </p:cTn>
-                              </p:par>
-                            </p:childTnLst>
-                          </p:cTn>
-                        </p:par>
-                      </p:childTnLst>
-                    </p:cTn>
-                  </p:par>
-                  <p:par>
-                    <p:cTn id="13" fill="hold">
-                      <p:stCondLst>
-                        <p:cond delay="indefinite"/>
-                      </p:stCondLst>
-                      <p:childTnLst>
-                        <p:par>
-                          <p:cTn id="14" fill="hold">
-                            <p:stCondLst>
-                              <p:cond delay="0"/>
-                            </p:stCondLst>
-                            <p:childTnLst>
-                              <p:par>
-                                <p:cTn id="15" presetID="10" presetClass="entr" presetSubtype="0" fill="hold" nodeType="clickEffect">
-                                  <p:stCondLst>
-                                    <p:cond delay="0"/>
-                                  </p:stCondLst>
-                                  <p:childTnLst>
-                                    <p:set>
-                                      <p:cBhvr>
-                                        <p:cTn id="16" dur="1" fill="hold">
-                                          <p:stCondLst>
-                                            <p:cond delay="0"/>
-                                          </p:stCondLst>
-                                        </p:cTn>
-                                        <p:tgtEl>
-                                          <p:spTgt spid="2050"/>
-                                        </p:tgtEl>
-                                        <p:attrNameLst>
-                                          <p:attrName>style.visibility</p:attrName>
-                                        </p:attrNameLst>
-                                      </p:cBhvr>
-                                      <p:to>
-                                        <p:strVal val="visible"/>
-                                      </p:to>
-                                    </p:set>
-                                    <p:animEffect transition="in" filter="fade">
-                                      <p:cBhvr>
-                                        <p:cTn id="17" dur="500"/>
-                                        <p:tgtEl>
-                                          <p:spTgt spid="2050"/>
-                                        </p:tgtEl>
-                                      </p:cBhvr>
-                                    </p:animEffect>
-                                  </p:childTnLst>
-                                </p:cTn>
-                              </p:par>
-                            </p:childTnLst>
-                          </p:cTn>
-                        </p:par>
-                      </p:childTnLst>
-                    </p:cTn>
-                  </p:par>
-                </p:childTnLst>
-              </p:cTn>
-              <p:prevCondLst>
-                <p:cond evt="onPrev" delay="0">
-                  <p:tgtEl>
-                    <p:sldTgt/>
-                  </p:tgtEl>
-                </p:cond>
-              </p:prevCondLst>
-              <p:nextCondLst>
-                <p:cond evt="onNext" delay="0">
-                  <p:tgtEl>
-                    <p:sldTgt/>
-                  </p:tgtEl>
-                </p:cond>
-              </p:nextCondLst>
-            </p:seq>
-          </p:childTnLst>
-        </p:cTn>
+        <p:cTn id="1" dur="indefinite" restart="never" nodeType="tmRoot"/>
       </p:par>
     </p:tnLst>
-    <p:bldLst>
-      <p:bldP spid="2" grpId="0" animBg="1"/>
-      <p:bldP spid="3" grpId="0" build="p"/>
-    </p:bldLst>
   </p:timing>
 </p:sld>
 </file>
@@ -4422,7 +4043,7 @@
         <p:spPr>
           <a:xfrm>
             <a:off x="233003" y="2646511"/>
-            <a:ext cx="8940888" cy="4084489"/>
+            <a:ext cx="7297350" cy="3022769"/>
           </a:xfrm>
         </p:spPr>
         <p:txBody>
@@ -4482,7 +4103,7 @@
         </p:blipFill>
         <p:spPr bwMode="auto">
           <a:xfrm>
-            <a:off x="9173891" y="2213110"/>
+            <a:off x="8151914" y="2256140"/>
             <a:ext cx="2789170" cy="4517890"/>
           </a:xfrm>
           <a:prstGeom prst="rect">
@@ -4512,216 +4133,18 @@
   </p:clrMapOvr>
   <mc:AlternateContent xmlns:mc="http://schemas.openxmlformats.org/markup-compatibility/2006">
     <mc:Choice xmlns:p14="http://schemas.microsoft.com/office/powerpoint/2010/main" Requires="p14">
-      <p:transition spd="med" p14:dur="700">
-        <p:fade/>
-      </p:transition>
+      <p:transition p14:dur="0"/>
     </mc:Choice>
     <mc:Fallback>
-      <p:transition spd="med">
-        <p:fade/>
-      </p:transition>
+      <p:transition/>
     </mc:Fallback>
   </mc:AlternateContent>
   <p:timing>
     <p:tnLst>
       <p:par>
-        <p:cTn id="1" dur="indefinite" restart="never" nodeType="tmRoot">
-          <p:childTnLst>
-            <p:seq concurrent="1" nextAc="seek">
-              <p:cTn id="2" dur="indefinite" nodeType="mainSeq">
-                <p:childTnLst>
-                  <p:par>
-                    <p:cTn id="3" fill="hold">
-                      <p:stCondLst>
-                        <p:cond delay="indefinite"/>
-                      </p:stCondLst>
-                      <p:childTnLst>
-                        <p:par>
-                          <p:cTn id="4" fill="hold">
-                            <p:stCondLst>
-                              <p:cond delay="0"/>
-                            </p:stCondLst>
-                            <p:childTnLst>
-                              <p:par>
-                                <p:cTn id="5" presetID="10" presetClass="entr" presetSubtype="0" fill="hold" grpId="0" nodeType="clickEffect">
-                                  <p:stCondLst>
-                                    <p:cond delay="0"/>
-                                  </p:stCondLst>
-                                  <p:childTnLst>
-                                    <p:set>
-                                      <p:cBhvr>
-                                        <p:cTn id="6" dur="1" fill="hold">
-                                          <p:stCondLst>
-                                            <p:cond delay="0"/>
-                                          </p:stCondLst>
-                                        </p:cTn>
-                                        <p:tgtEl>
-                                          <p:spTgt spid="2"/>
-                                        </p:tgtEl>
-                                        <p:attrNameLst>
-                                          <p:attrName>style.visibility</p:attrName>
-                                        </p:attrNameLst>
-                                      </p:cBhvr>
-                                      <p:to>
-                                        <p:strVal val="visible"/>
-                                      </p:to>
-                                    </p:set>
-                                    <p:animEffect transition="in" filter="fade">
-                                      <p:cBhvr>
-                                        <p:cTn id="7" dur="500"/>
-                                        <p:tgtEl>
-                                          <p:spTgt spid="2"/>
-                                        </p:tgtEl>
-                                      </p:cBhvr>
-                                    </p:animEffect>
-                                  </p:childTnLst>
-                                </p:cTn>
-                              </p:par>
-                            </p:childTnLst>
-                          </p:cTn>
-                        </p:par>
-                      </p:childTnLst>
-                    </p:cTn>
-                  </p:par>
-                  <p:par>
-                    <p:cTn id="8" fill="hold">
-                      <p:stCondLst>
-                        <p:cond delay="indefinite"/>
-                      </p:stCondLst>
-                      <p:childTnLst>
-                        <p:par>
-                          <p:cTn id="9" fill="hold">
-                            <p:stCondLst>
-                              <p:cond delay="0"/>
-                            </p:stCondLst>
-                            <p:childTnLst>
-                              <p:par>
-                                <p:cTn id="10" presetID="10" presetClass="entr" presetSubtype="0" fill="hold" grpId="0" nodeType="clickEffect">
-                                  <p:stCondLst>
-                                    <p:cond delay="0"/>
-                                  </p:stCondLst>
-                                  <p:childTnLst>
-                                    <p:set>
-                                      <p:cBhvr>
-                                        <p:cTn id="11" dur="1" fill="hold">
-                                          <p:stCondLst>
-                                            <p:cond delay="0"/>
-                                          </p:stCondLst>
-                                        </p:cTn>
-                                        <p:tgtEl>
-                                          <p:spTgt spid="3">
-                                            <p:txEl>
-                                              <p:pRg st="0" end="0"/>
-                                            </p:txEl>
-                                          </p:spTgt>
-                                        </p:tgtEl>
-                                        <p:attrNameLst>
-                                          <p:attrName>style.visibility</p:attrName>
-                                        </p:attrNameLst>
-                                      </p:cBhvr>
-                                      <p:to>
-                                        <p:strVal val="visible"/>
-                                      </p:to>
-                                    </p:set>
-                                    <p:animEffect transition="in" filter="fade">
-                                      <p:cBhvr>
-                                        <p:cTn id="12" dur="500"/>
-                                        <p:tgtEl>
-                                          <p:spTgt spid="3">
-                                            <p:txEl>
-                                              <p:pRg st="0" end="0"/>
-                                            </p:txEl>
-                                          </p:spTgt>
-                                        </p:tgtEl>
-                                      </p:cBhvr>
-                                    </p:animEffect>
-                                  </p:childTnLst>
-                                </p:cTn>
-                              </p:par>
-                            </p:childTnLst>
-                          </p:cTn>
-                        </p:par>
-                      </p:childTnLst>
-                    </p:cTn>
-                  </p:par>
-                  <p:par>
-                    <p:cTn id="13" fill="hold">
-                      <p:stCondLst>
-                        <p:cond delay="indefinite"/>
-                      </p:stCondLst>
-                      <p:childTnLst>
-                        <p:par>
-                          <p:cTn id="14" fill="hold">
-                            <p:stCondLst>
-                              <p:cond delay="0"/>
-                            </p:stCondLst>
-                            <p:childTnLst>
-                              <p:par>
-                                <p:cTn id="15" presetID="10" presetClass="entr" presetSubtype="0" fill="hold" nodeType="clickEffect">
-                                  <p:stCondLst>
-                                    <p:cond delay="0"/>
-                                  </p:stCondLst>
-                                  <p:childTnLst>
-                                    <p:set>
-                                      <p:cBhvr>
-                                        <p:cTn id="16" dur="1" fill="hold">
-                                          <p:stCondLst>
-                                            <p:cond delay="0"/>
-                                          </p:stCondLst>
-                                        </p:cTn>
-                                        <p:tgtEl>
-                                          <p:spTgt spid="3074"/>
-                                        </p:tgtEl>
-                                        <p:attrNameLst>
-                                          <p:attrName>style.visibility</p:attrName>
-                                        </p:attrNameLst>
-                                      </p:cBhvr>
-                                      <p:to>
-                                        <p:strVal val="visible"/>
-                                      </p:to>
-                                    </p:set>
-                                    <p:animEffect transition="in" filter="fade">
-                                      <p:cBhvr>
-                                        <p:cTn id="17" dur="500"/>
-                                        <p:tgtEl>
-                                          <p:spTgt spid="3074"/>
-                                        </p:tgtEl>
-                                      </p:cBhvr>
-                                    </p:animEffect>
-                                  </p:childTnLst>
-                                </p:cTn>
-                              </p:par>
-                            </p:childTnLst>
-                          </p:cTn>
-                        </p:par>
-                      </p:childTnLst>
-                    </p:cTn>
-                  </p:par>
-                </p:childTnLst>
-              </p:cTn>
-              <p:prevCondLst>
-                <p:cond evt="onPrev" delay="0">
-                  <p:tgtEl>
-                    <p:sldTgt/>
-                  </p:tgtEl>
-                </p:cond>
-              </p:prevCondLst>
-              <p:nextCondLst>
-                <p:cond evt="onNext" delay="0">
-                  <p:tgtEl>
-                    <p:sldTgt/>
-                  </p:tgtEl>
-                </p:cond>
-              </p:nextCondLst>
-            </p:seq>
-          </p:childTnLst>
-        </p:cTn>
+        <p:cTn id="1" dur="indefinite" restart="never" nodeType="tmRoot"/>
       </p:par>
     </p:tnLst>
-    <p:bldLst>
-      <p:bldP spid="2" grpId="0" animBg="1"/>
-      <p:bldP spid="3" grpId="0" build="p"/>
-    </p:bldLst>
   </p:timing>
 </p:sld>
 </file>
@@ -4789,8 +4212,8 @@
         </p:nvSpPr>
         <p:spPr>
           <a:xfrm>
-            <a:off x="0" y="2367111"/>
-            <a:ext cx="5122334" cy="3238500"/>
+            <a:off x="0" y="2367110"/>
+            <a:ext cx="5122334" cy="3872325"/>
           </a:xfrm>
         </p:spPr>
         <p:txBody>
@@ -4809,7 +4232,77 @@
                 <a:ea typeface="Calibri" panose="020F0502020204030204" pitchFamily="34" charset="0"/>
                 <a:cs typeface="Times New Roman" panose="02020603050405020304" pitchFamily="18" charset="0"/>
               </a:rPr>
-              <a:t>Исламские математики усовершенствовали алгебру с момента ее зарождения в Греции и Египте и разработали тригонометрию в поисках точных способов измерения объектов на расстоянии. Мусульманские ученые также внесли важный и оригинальный вклад в астрономию. Они собрали и исправили предыдущие астрономические данные, построили первую в мире обсерваторию и разработали астролябию — инструмент, который когда-то называли «математической жемчужиной». Исламские архитекторы в значительной степени заимствовали идеи у Византийской империи, которая широко использовала купола и арки во всех своих городах. Пример такого использования можно увидеть в Куполе Скалы, знаменитой мечети в Иерусалиме.</a:t>
+              <a:t>Исламские математики усовершенствовали алгебру с момента ее зарождения в Греции и Египте и разработали тригонометрию в поисках точных способов измерения объектов на расстоянии. </a:t>
+            </a:r>
+            <a:endParaRPr lang="ru-RU" sz="1800" dirty="0" smtClean="0">
+              <a:solidFill>
+                <a:srgbClr val="000000"/>
+              </a:solidFill>
+              <a:effectLst/>
+              <a:latin typeface="Times New Roman" panose="02020603050405020304" pitchFamily="18" charset="0"/>
+              <a:ea typeface="Calibri" panose="020F0502020204030204" pitchFamily="34" charset="0"/>
+              <a:cs typeface="Times New Roman" panose="02020603050405020304" pitchFamily="18" charset="0"/>
+            </a:endParaRPr>
+          </a:p>
+          <a:p>
+            <a:r>
+              <a:rPr lang="ru-RU" sz="1800" dirty="0" smtClean="0">
+                <a:solidFill>
+                  <a:srgbClr val="000000"/>
+                </a:solidFill>
+                <a:effectLst/>
+                <a:latin typeface="Times New Roman" panose="02020603050405020304" pitchFamily="18" charset="0"/>
+                <a:ea typeface="Calibri" panose="020F0502020204030204" pitchFamily="34" charset="0"/>
+                <a:cs typeface="Times New Roman" panose="02020603050405020304" pitchFamily="18" charset="0"/>
+              </a:rPr>
+              <a:t>Мусульманские </a:t>
+            </a:r>
+            <a:r>
+              <a:rPr lang="ru-RU" sz="1800" dirty="0">
+                <a:solidFill>
+                  <a:srgbClr val="000000"/>
+                </a:solidFill>
+                <a:effectLst/>
+                <a:latin typeface="Times New Roman" panose="02020603050405020304" pitchFamily="18" charset="0"/>
+                <a:ea typeface="Calibri" panose="020F0502020204030204" pitchFamily="34" charset="0"/>
+                <a:cs typeface="Times New Roman" panose="02020603050405020304" pitchFamily="18" charset="0"/>
+              </a:rPr>
+              <a:t>ученые также внесли важный и оригинальный вклад в астрономию. Они собрали и исправили предыдущие астрономические данные, построили первую в мире обсерваторию и разработали астролябию — инструмент, который когда-то называли «математической жемчужиной». </a:t>
+            </a:r>
+            <a:endParaRPr lang="ru-RU" sz="1800" dirty="0" smtClean="0">
+              <a:solidFill>
+                <a:srgbClr val="000000"/>
+              </a:solidFill>
+              <a:effectLst/>
+              <a:latin typeface="Times New Roman" panose="02020603050405020304" pitchFamily="18" charset="0"/>
+              <a:ea typeface="Calibri" panose="020F0502020204030204" pitchFamily="34" charset="0"/>
+              <a:cs typeface="Times New Roman" panose="02020603050405020304" pitchFamily="18" charset="0"/>
+            </a:endParaRPr>
+          </a:p>
+          <a:p>
+            <a:r>
+              <a:rPr lang="ru-RU" sz="1800" dirty="0" smtClean="0">
+                <a:solidFill>
+                  <a:srgbClr val="000000"/>
+                </a:solidFill>
+                <a:effectLst/>
+                <a:latin typeface="Times New Roman" panose="02020603050405020304" pitchFamily="18" charset="0"/>
+                <a:ea typeface="Calibri" panose="020F0502020204030204" pitchFamily="34" charset="0"/>
+                <a:cs typeface="Times New Roman" panose="02020603050405020304" pitchFamily="18" charset="0"/>
+              </a:rPr>
+              <a:t>Исламские </a:t>
+            </a:r>
+            <a:r>
+              <a:rPr lang="ru-RU" sz="1800" dirty="0">
+                <a:solidFill>
+                  <a:srgbClr val="000000"/>
+                </a:solidFill>
+                <a:effectLst/>
+                <a:latin typeface="Times New Roman" panose="02020603050405020304" pitchFamily="18" charset="0"/>
+                <a:ea typeface="Calibri" panose="020F0502020204030204" pitchFamily="34" charset="0"/>
+                <a:cs typeface="Times New Roman" panose="02020603050405020304" pitchFamily="18" charset="0"/>
+              </a:rPr>
+              <a:t>архитекторы в значительной степени заимствовали идеи у Византийской империи, которая широко использовала купола и арки во всех своих городах. Пример такого использования можно увидеть в Куполе Скалы, знаменитой мечети в Иерусалиме.</a:t>
             </a:r>
             <a:endParaRPr lang="ru-RU" sz="1800" dirty="0">
               <a:effectLst/>
@@ -4882,216 +4375,18 @@
   </p:clrMapOvr>
   <mc:AlternateContent xmlns:mc="http://schemas.openxmlformats.org/markup-compatibility/2006">
     <mc:Choice xmlns:p14="http://schemas.microsoft.com/office/powerpoint/2010/main" Requires="p14">
-      <p:transition spd="med" p14:dur="700">
-        <p:fade/>
-      </p:transition>
+      <p:transition p14:dur="0"/>
     </mc:Choice>
     <mc:Fallback>
-      <p:transition spd="med">
-        <p:fade/>
-      </p:transition>
+      <p:transition/>
     </mc:Fallback>
   </mc:AlternateContent>
   <p:timing>
     <p:tnLst>
       <p:par>
-        <p:cTn id="1" dur="indefinite" restart="never" nodeType="tmRoot">
-          <p:childTnLst>
-            <p:seq concurrent="1" nextAc="seek">
-              <p:cTn id="2" dur="indefinite" nodeType="mainSeq">
-                <p:childTnLst>
-                  <p:par>
-                    <p:cTn id="3" fill="hold">
-                      <p:stCondLst>
-                        <p:cond delay="indefinite"/>
-                      </p:stCondLst>
-                      <p:childTnLst>
-                        <p:par>
-                          <p:cTn id="4" fill="hold">
-                            <p:stCondLst>
-                              <p:cond delay="0"/>
-                            </p:stCondLst>
-                            <p:childTnLst>
-                              <p:par>
-                                <p:cTn id="5" presetID="10" presetClass="entr" presetSubtype="0" fill="hold" grpId="0" nodeType="clickEffect">
-                                  <p:stCondLst>
-                                    <p:cond delay="0"/>
-                                  </p:stCondLst>
-                                  <p:childTnLst>
-                                    <p:set>
-                                      <p:cBhvr>
-                                        <p:cTn id="6" dur="1" fill="hold">
-                                          <p:stCondLst>
-                                            <p:cond delay="0"/>
-                                          </p:stCondLst>
-                                        </p:cTn>
-                                        <p:tgtEl>
-                                          <p:spTgt spid="2"/>
-                                        </p:tgtEl>
-                                        <p:attrNameLst>
-                                          <p:attrName>style.visibility</p:attrName>
-                                        </p:attrNameLst>
-                                      </p:cBhvr>
-                                      <p:to>
-                                        <p:strVal val="visible"/>
-                                      </p:to>
-                                    </p:set>
-                                    <p:animEffect transition="in" filter="fade">
-                                      <p:cBhvr>
-                                        <p:cTn id="7" dur="500"/>
-                                        <p:tgtEl>
-                                          <p:spTgt spid="2"/>
-                                        </p:tgtEl>
-                                      </p:cBhvr>
-                                    </p:animEffect>
-                                  </p:childTnLst>
-                                </p:cTn>
-                              </p:par>
-                            </p:childTnLst>
-                          </p:cTn>
-                        </p:par>
-                      </p:childTnLst>
-                    </p:cTn>
-                  </p:par>
-                  <p:par>
-                    <p:cTn id="8" fill="hold">
-                      <p:stCondLst>
-                        <p:cond delay="indefinite"/>
-                      </p:stCondLst>
-                      <p:childTnLst>
-                        <p:par>
-                          <p:cTn id="9" fill="hold">
-                            <p:stCondLst>
-                              <p:cond delay="0"/>
-                            </p:stCondLst>
-                            <p:childTnLst>
-                              <p:par>
-                                <p:cTn id="10" presetID="10" presetClass="entr" presetSubtype="0" fill="hold" grpId="0" nodeType="clickEffect">
-                                  <p:stCondLst>
-                                    <p:cond delay="0"/>
-                                  </p:stCondLst>
-                                  <p:childTnLst>
-                                    <p:set>
-                                      <p:cBhvr>
-                                        <p:cTn id="11" dur="1" fill="hold">
-                                          <p:stCondLst>
-                                            <p:cond delay="0"/>
-                                          </p:stCondLst>
-                                        </p:cTn>
-                                        <p:tgtEl>
-                                          <p:spTgt spid="3">
-                                            <p:txEl>
-                                              <p:pRg st="0" end="0"/>
-                                            </p:txEl>
-                                          </p:spTgt>
-                                        </p:tgtEl>
-                                        <p:attrNameLst>
-                                          <p:attrName>style.visibility</p:attrName>
-                                        </p:attrNameLst>
-                                      </p:cBhvr>
-                                      <p:to>
-                                        <p:strVal val="visible"/>
-                                      </p:to>
-                                    </p:set>
-                                    <p:animEffect transition="in" filter="fade">
-                                      <p:cBhvr>
-                                        <p:cTn id="12" dur="500"/>
-                                        <p:tgtEl>
-                                          <p:spTgt spid="3">
-                                            <p:txEl>
-                                              <p:pRg st="0" end="0"/>
-                                            </p:txEl>
-                                          </p:spTgt>
-                                        </p:tgtEl>
-                                      </p:cBhvr>
-                                    </p:animEffect>
-                                  </p:childTnLst>
-                                </p:cTn>
-                              </p:par>
-                            </p:childTnLst>
-                          </p:cTn>
-                        </p:par>
-                      </p:childTnLst>
-                    </p:cTn>
-                  </p:par>
-                  <p:par>
-                    <p:cTn id="13" fill="hold">
-                      <p:stCondLst>
-                        <p:cond delay="indefinite"/>
-                      </p:stCondLst>
-                      <p:childTnLst>
-                        <p:par>
-                          <p:cTn id="14" fill="hold">
-                            <p:stCondLst>
-                              <p:cond delay="0"/>
-                            </p:stCondLst>
-                            <p:childTnLst>
-                              <p:par>
-                                <p:cTn id="15" presetID="10" presetClass="entr" presetSubtype="0" fill="hold" nodeType="clickEffect">
-                                  <p:stCondLst>
-                                    <p:cond delay="0"/>
-                                  </p:stCondLst>
-                                  <p:childTnLst>
-                                    <p:set>
-                                      <p:cBhvr>
-                                        <p:cTn id="16" dur="1" fill="hold">
-                                          <p:stCondLst>
-                                            <p:cond delay="0"/>
-                                          </p:stCondLst>
-                                        </p:cTn>
-                                        <p:tgtEl>
-                                          <p:spTgt spid="4098"/>
-                                        </p:tgtEl>
-                                        <p:attrNameLst>
-                                          <p:attrName>style.visibility</p:attrName>
-                                        </p:attrNameLst>
-                                      </p:cBhvr>
-                                      <p:to>
-                                        <p:strVal val="visible"/>
-                                      </p:to>
-                                    </p:set>
-                                    <p:animEffect transition="in" filter="fade">
-                                      <p:cBhvr>
-                                        <p:cTn id="17" dur="500"/>
-                                        <p:tgtEl>
-                                          <p:spTgt spid="4098"/>
-                                        </p:tgtEl>
-                                      </p:cBhvr>
-                                    </p:animEffect>
-                                  </p:childTnLst>
-                                </p:cTn>
-                              </p:par>
-                            </p:childTnLst>
-                          </p:cTn>
-                        </p:par>
-                      </p:childTnLst>
-                    </p:cTn>
-                  </p:par>
-                </p:childTnLst>
-              </p:cTn>
-              <p:prevCondLst>
-                <p:cond evt="onPrev" delay="0">
-                  <p:tgtEl>
-                    <p:sldTgt/>
-                  </p:tgtEl>
-                </p:cond>
-              </p:prevCondLst>
-              <p:nextCondLst>
-                <p:cond evt="onNext" delay="0">
-                  <p:tgtEl>
-                    <p:sldTgt/>
-                  </p:tgtEl>
-                </p:cond>
-              </p:nextCondLst>
-            </p:seq>
-          </p:childTnLst>
-        </p:cTn>
+        <p:cTn id="1" dur="indefinite" restart="never" nodeType="tmRoot"/>
       </p:par>
     </p:tnLst>
-    <p:bldLst>
-      <p:bldP spid="2" grpId="0" animBg="1"/>
-      <p:bldP spid="3" grpId="0" build="p"/>
-    </p:bldLst>
   </p:timing>
 </p:sld>
 </file>
@@ -5115,13 +4410,7 @@
       </p:grpSpPr>
       <p:sp>
         <p:nvSpPr>
-          <p:cNvPr id="2" name="Заголовок 1">
-            <a:extLst>
-              <a:ext uri="{FF2B5EF4-FFF2-40B4-BE49-F238E27FC236}">
-                <a16:creationId xmlns:a16="http://schemas.microsoft.com/office/drawing/2014/main" id="{DB78AA03-B321-48CC-9061-26113980B958}"/>
-              </a:ext>
-            </a:extLst>
-          </p:cNvPr>
+          <p:cNvPr id="4" name="Заголовок 3"/>
           <p:cNvSpPr>
             <a:spLocks noGrp="1"/>
           </p:cNvSpPr>
@@ -5136,330 +4425,178 @@
           <a:p>
             <a:r>
               <a:rPr lang="ru-RU" dirty="0"/>
-              <a:t>Наука в Ираке 14-18 века</a:t>
-            </a:r>
-          </a:p>
-        </p:txBody>
-      </p:sp>
-      <p:sp>
-        <p:nvSpPr>
-          <p:cNvPr id="3" name="Объект 2">
-            <a:extLst>
-              <a:ext uri="{FF2B5EF4-FFF2-40B4-BE49-F238E27FC236}">
-                <a16:creationId xmlns:a16="http://schemas.microsoft.com/office/drawing/2014/main" id="{FFF752AA-3911-4CEB-9404-442E050E81E8}"/>
-              </a:ext>
-            </a:extLst>
-          </p:cNvPr>
-          <p:cNvSpPr>
-            <a:spLocks noGrp="1"/>
-          </p:cNvSpPr>
-          <p:nvPr>
-            <p:ph idx="1"/>
-          </p:nvPr>
+              <a:t>Строительное дело в Ираке 14-18 века</a:t>
+            </a:r>
+          </a:p>
+        </p:txBody>
+      </p:sp>
+      <p:sp>
+        <p:nvSpPr>
+          <p:cNvPr id="5" name="TextBox 4"/>
+          <p:cNvSpPr txBox="1"/>
+          <p:nvPr/>
         </p:nvSpPr>
         <p:spPr>
           <a:xfrm>
-            <a:off x="63670" y="2292689"/>
-            <a:ext cx="6464130" cy="3981112"/>
-          </a:xfrm>
-        </p:spPr>
-        <p:txBody>
-          <a:bodyPr/>
-          <a:lstStyle/>
-          <a:p>
-            <a:r>
-              <a:rPr lang="ru-RU" sz="1800" dirty="0">
-                <a:solidFill>
-                  <a:srgbClr val="000000"/>
-                </a:solidFill>
-                <a:effectLst/>
-                <a:latin typeface="Times New Roman" panose="02020603050405020304" pitchFamily="18" charset="0"/>
-                <a:ea typeface="Calibri" panose="020F0502020204030204" pitchFamily="34" charset="0"/>
-                <a:cs typeface="Times New Roman" panose="02020603050405020304" pitchFamily="18" charset="0"/>
-              </a:rPr>
-              <a:t>Заядлые исследователи неба и земли, мусульманские учёные составили подробные и точные карты того и другого. Мусульманские картографы для точного нанесения на карту расстояний вокруг Земли уточняли долготу и широту. Перс двенадцатого века Омар Хайям разработал календарь настолько надежный, что за 500 лет он отклонялся всего на один день. У этого списка нет конца.</a:t>
-            </a:r>
-            <a:endParaRPr lang="ru-RU" sz="1800" dirty="0">
-              <a:effectLst/>
-              <a:latin typeface="Calibri" panose="020F0502020204030204" pitchFamily="34" charset="0"/>
-              <a:ea typeface="Calibri" panose="020F0502020204030204" pitchFamily="34" charset="0"/>
-              <a:cs typeface="Times New Roman" panose="02020603050405020304" pitchFamily="18" charset="0"/>
-            </a:endParaRPr>
-          </a:p>
-          <a:p>
-            <a:endParaRPr lang="ru-RU" dirty="0"/>
-          </a:p>
-        </p:txBody>
-      </p:sp>
-      <p:pic>
-        <p:nvPicPr>
-          <p:cNvPr id="5122" name="Picture 2" descr="Папакома - Статьи">
-            <a:extLst>
-              <a:ext uri="{FF2B5EF4-FFF2-40B4-BE49-F238E27FC236}">
-                <a16:creationId xmlns:a16="http://schemas.microsoft.com/office/drawing/2014/main" id="{A1C17516-83FC-4FEB-B3F3-003335D46849}"/>
-              </a:ext>
-            </a:extLst>
-          </p:cNvPr>
-          <p:cNvPicPr>
-            <a:picLocks noChangeAspect="1" noChangeArrowheads="1"/>
-          </p:cNvPicPr>
-          <p:nvPr/>
-        </p:nvPicPr>
-        <p:blipFill>
-          <a:blip r:embed="rId2">
-            <a:extLst>
-              <a:ext uri="{28A0092B-C50C-407E-A947-70E740481C1C}">
-                <a14:useLocalDpi xmlns:a14="http://schemas.microsoft.com/office/drawing/2010/main" val="0"/>
-              </a:ext>
-            </a:extLst>
-          </a:blip>
-          <a:srcRect/>
-          <a:stretch>
-            <a:fillRect/>
-          </a:stretch>
-        </p:blipFill>
-        <p:spPr bwMode="auto">
-          <a:xfrm>
-            <a:off x="6527800" y="2292688"/>
-            <a:ext cx="5600530" cy="4089400"/>
+            <a:off x="602429" y="2280621"/>
+            <a:ext cx="5895189" cy="4524315"/>
           </a:xfrm>
           <a:prstGeom prst="rect">
             <a:avLst/>
           </a:prstGeom>
           <a:noFill/>
-          <a:extLst>
-            <a:ext uri="{909E8E84-426E-40DD-AFC4-6F175D3DCCD1}">
-              <a14:hiddenFill xmlns:a14="http://schemas.microsoft.com/office/drawing/2010/main">
-                <a:solidFill>
-                  <a:srgbClr val="FFFFFF"/>
-                </a:solidFill>
-              </a14:hiddenFill>
-            </a:ext>
-          </a:extLst>
+        </p:spPr>
+        <p:txBody>
+          <a:bodyPr wrap="square" rtlCol="0">
+            <a:spAutoFit/>
+          </a:bodyPr>
+          <a:lstStyle/>
+          <a:p>
+            <a:r>
+              <a:rPr lang="ru-RU" dirty="0">
+                <a:latin typeface="Times New Roman" panose="02020603050405020304" pitchFamily="18" charset="0"/>
+                <a:cs typeface="Times New Roman" panose="02020603050405020304" pitchFamily="18" charset="0"/>
+              </a:rPr>
+              <a:t>В Ираке находятся святыни шиитов — гробница зятя пророка Али и его сына Хусейна, а также дяди пророка — Аббаса. Отмеченные в X в. надгробными постройками, они стали местом паломничества. Вокруг них выросли города Кербела и </a:t>
+            </a:r>
+            <a:r>
+              <a:rPr lang="ru-RU" dirty="0" err="1">
+                <a:latin typeface="Times New Roman" panose="02020603050405020304" pitchFamily="18" charset="0"/>
+                <a:cs typeface="Times New Roman" panose="02020603050405020304" pitchFamily="18" charset="0"/>
+              </a:rPr>
+              <a:t>Неджеф</a:t>
+            </a:r>
+            <a:r>
+              <a:rPr lang="ru-RU" dirty="0">
+                <a:latin typeface="Times New Roman" panose="02020603050405020304" pitchFamily="18" charset="0"/>
+                <a:cs typeface="Times New Roman" panose="02020603050405020304" pitchFamily="18" charset="0"/>
+              </a:rPr>
+              <a:t>. История строительства мавзолеев прослеживается с трудом; но не подлежит сомнению, что в современном виде их формы сложились в XVI в. и позднее</a:t>
+            </a:r>
+            <a:r>
+              <a:rPr lang="ru-RU" dirty="0" smtClean="0">
+                <a:latin typeface="Times New Roman" panose="02020603050405020304" pitchFamily="18" charset="0"/>
+                <a:cs typeface="Times New Roman" panose="02020603050405020304" pitchFamily="18" charset="0"/>
+              </a:rPr>
+              <a:t>.</a:t>
+            </a:r>
+            <a:endParaRPr lang="en-US" dirty="0" smtClean="0">
+              <a:latin typeface="Times New Roman" panose="02020603050405020304" pitchFamily="18" charset="0"/>
+              <a:cs typeface="Times New Roman" panose="02020603050405020304" pitchFamily="18" charset="0"/>
+            </a:endParaRPr>
+          </a:p>
+          <a:p>
+            <a:r>
+              <a:rPr lang="ru-RU" dirty="0">
+                <a:latin typeface="Times New Roman" panose="02020603050405020304" pitchFamily="18" charset="0"/>
+                <a:cs typeface="Times New Roman" panose="02020603050405020304" pitchFamily="18" charset="0"/>
+              </a:rPr>
+              <a:t>Главный фасад мавзолеев с высоким порталом по оси завершается на углах минаретами. Над порталом поднимается луковичный купол на барабане</a:t>
+            </a:r>
+            <a:r>
+              <a:rPr lang="ru-RU" dirty="0" smtClean="0">
+                <a:latin typeface="Times New Roman" panose="02020603050405020304" pitchFamily="18" charset="0"/>
+                <a:cs typeface="Times New Roman" panose="02020603050405020304" pitchFamily="18" charset="0"/>
+              </a:rPr>
+              <a:t>.</a:t>
+            </a:r>
+          </a:p>
+          <a:p>
+            <a:r>
+              <a:rPr lang="ru-RU" dirty="0" smtClean="0">
+                <a:latin typeface="Times New Roman" panose="02020603050405020304" pitchFamily="18" charset="0"/>
+                <a:cs typeface="Times New Roman" panose="02020603050405020304" pitchFamily="18" charset="0"/>
+              </a:rPr>
+              <a:t>Самая </a:t>
+            </a:r>
+            <a:r>
+              <a:rPr lang="ru-RU" dirty="0">
+                <a:latin typeface="Times New Roman" panose="02020603050405020304" pitchFamily="18" charset="0"/>
+                <a:cs typeface="Times New Roman" panose="02020603050405020304" pitchFamily="18" charset="0"/>
+              </a:rPr>
+              <a:t>обширная из трех — усыпальница Хусейна в Кербеле выделяется более сложным строением центрального ядра, разбитого на несколько залов; по оси стоят два больших </a:t>
+            </a:r>
+            <a:r>
+              <a:rPr lang="ru-RU" dirty="0" smtClean="0">
+                <a:latin typeface="Times New Roman" panose="02020603050405020304" pitchFamily="18" charset="0"/>
+                <a:cs typeface="Times New Roman" panose="02020603050405020304" pitchFamily="18" charset="0"/>
+              </a:rPr>
+              <a:t>купола. </a:t>
+            </a:r>
+            <a:r>
+              <a:rPr lang="ru-RU" dirty="0">
+                <a:latin typeface="Times New Roman" panose="02020603050405020304" pitchFamily="18" charset="0"/>
+                <a:cs typeface="Times New Roman" panose="02020603050405020304" pitchFamily="18" charset="0"/>
+              </a:rPr>
+              <a:t>Эта часть предположительно относится к последней трети XVI в.</a:t>
+            </a:r>
+          </a:p>
+        </p:txBody>
+      </p:sp>
+      <p:pic>
+        <p:nvPicPr>
+          <p:cNvPr id="6" name="Рисунок 5"/>
+          <p:cNvPicPr>
+            <a:picLocks noChangeAspect="1"/>
+          </p:cNvPicPr>
+          <p:nvPr/>
+        </p:nvPicPr>
+        <p:blipFill>
+          <a:blip r:embed="rId2"/>
+          <a:stretch>
+            <a:fillRect/>
+          </a:stretch>
+        </p:blipFill>
+        <p:spPr>
+          <a:xfrm>
+            <a:off x="6772569" y="2280621"/>
+            <a:ext cx="2904566" cy="4364075"/>
+          </a:xfrm>
+          <a:prstGeom prst="rect">
+            <a:avLst/>
+          </a:prstGeom>
+        </p:spPr>
+      </p:pic>
+      <p:pic>
+        <p:nvPicPr>
+          <p:cNvPr id="7" name="Рисунок 6"/>
+          <p:cNvPicPr>
+            <a:picLocks noChangeAspect="1"/>
+          </p:cNvPicPr>
+          <p:nvPr/>
+        </p:nvPicPr>
+        <p:blipFill>
+          <a:blip r:embed="rId3"/>
+          <a:stretch>
+            <a:fillRect/>
+          </a:stretch>
+        </p:blipFill>
+        <p:spPr>
+          <a:xfrm>
+            <a:off x="9677135" y="2377441"/>
+            <a:ext cx="2317980" cy="2764191"/>
+          </a:xfrm>
+          <a:prstGeom prst="rect">
+            <a:avLst/>
+          </a:prstGeom>
         </p:spPr>
       </p:pic>
     </p:spTree>
     <p:extLst>
       <p:ext uri="{BB962C8B-B14F-4D97-AF65-F5344CB8AC3E}">
-        <p14:creationId xmlns:p14="http://schemas.microsoft.com/office/powerpoint/2010/main" val="4253472262"/>
+        <p14:creationId xmlns:p14="http://schemas.microsoft.com/office/powerpoint/2010/main" val="558651135"/>
       </p:ext>
     </p:extLst>
   </p:cSld>
   <p:clrMapOvr>
     <a:masterClrMapping/>
   </p:clrMapOvr>
-  <mc:AlternateContent xmlns:mc="http://schemas.openxmlformats.org/markup-compatibility/2006">
-    <mc:Choice xmlns:p14="http://schemas.microsoft.com/office/powerpoint/2010/main" Requires="p14">
-      <p:transition spd="med" p14:dur="700">
-        <p:fade/>
-      </p:transition>
-    </mc:Choice>
-    <mc:Fallback>
-      <p:transition spd="med">
-        <p:fade/>
-      </p:transition>
-    </mc:Fallback>
-  </mc:AlternateContent>
   <p:timing>
     <p:tnLst>
       <p:par>
-        <p:cTn id="1" dur="indefinite" restart="never" nodeType="tmRoot">
-          <p:childTnLst>
-            <p:seq concurrent="1" nextAc="seek">
-              <p:cTn id="2" dur="indefinite" nodeType="mainSeq">
-                <p:childTnLst>
-                  <p:par>
-                    <p:cTn id="3" fill="hold">
-                      <p:stCondLst>
-                        <p:cond delay="indefinite"/>
-                      </p:stCondLst>
-                      <p:childTnLst>
-                        <p:par>
-                          <p:cTn id="4" fill="hold">
-                            <p:stCondLst>
-                              <p:cond delay="0"/>
-                            </p:stCondLst>
-                            <p:childTnLst>
-                              <p:par>
-                                <p:cTn id="5" presetID="10" presetClass="entr" presetSubtype="0" fill="hold" grpId="0" nodeType="clickEffect">
-                                  <p:stCondLst>
-                                    <p:cond delay="0"/>
-                                  </p:stCondLst>
-                                  <p:childTnLst>
-                                    <p:set>
-                                      <p:cBhvr>
-                                        <p:cTn id="6" dur="1" fill="hold">
-                                          <p:stCondLst>
-                                            <p:cond delay="0"/>
-                                          </p:stCondLst>
-                                        </p:cTn>
-                                        <p:tgtEl>
-                                          <p:spTgt spid="2"/>
-                                        </p:tgtEl>
-                                        <p:attrNameLst>
-                                          <p:attrName>style.visibility</p:attrName>
-                                        </p:attrNameLst>
-                                      </p:cBhvr>
-                                      <p:to>
-                                        <p:strVal val="visible"/>
-                                      </p:to>
-                                    </p:set>
-                                    <p:animEffect transition="in" filter="fade">
-                                      <p:cBhvr>
-                                        <p:cTn id="7" dur="500"/>
-                                        <p:tgtEl>
-                                          <p:spTgt spid="2"/>
-                                        </p:tgtEl>
-                                      </p:cBhvr>
-                                    </p:animEffect>
-                                  </p:childTnLst>
-                                </p:cTn>
-                              </p:par>
-                            </p:childTnLst>
-                          </p:cTn>
-                        </p:par>
-                      </p:childTnLst>
-                    </p:cTn>
-                  </p:par>
-                  <p:par>
-                    <p:cTn id="8" fill="hold">
-                      <p:stCondLst>
-                        <p:cond delay="indefinite"/>
-                      </p:stCondLst>
-                      <p:childTnLst>
-                        <p:par>
-                          <p:cTn id="9" fill="hold">
-                            <p:stCondLst>
-                              <p:cond delay="0"/>
-                            </p:stCondLst>
-                            <p:childTnLst>
-                              <p:par>
-                                <p:cTn id="10" presetID="10" presetClass="entr" presetSubtype="0" fill="hold" grpId="0" nodeType="clickEffect">
-                                  <p:stCondLst>
-                                    <p:cond delay="0"/>
-                                  </p:stCondLst>
-                                  <p:childTnLst>
-                                    <p:set>
-                                      <p:cBhvr>
-                                        <p:cTn id="11" dur="1" fill="hold">
-                                          <p:stCondLst>
-                                            <p:cond delay="0"/>
-                                          </p:stCondLst>
-                                        </p:cTn>
-                                        <p:tgtEl>
-                                          <p:spTgt spid="3">
-                                            <p:txEl>
-                                              <p:pRg st="0" end="0"/>
-                                            </p:txEl>
-                                          </p:spTgt>
-                                        </p:tgtEl>
-                                        <p:attrNameLst>
-                                          <p:attrName>style.visibility</p:attrName>
-                                        </p:attrNameLst>
-                                      </p:cBhvr>
-                                      <p:to>
-                                        <p:strVal val="visible"/>
-                                      </p:to>
-                                    </p:set>
-                                    <p:animEffect transition="in" filter="fade">
-                                      <p:cBhvr>
-                                        <p:cTn id="12" dur="500"/>
-                                        <p:tgtEl>
-                                          <p:spTgt spid="3">
-                                            <p:txEl>
-                                              <p:pRg st="0" end="0"/>
-                                            </p:txEl>
-                                          </p:spTgt>
-                                        </p:tgtEl>
-                                      </p:cBhvr>
-                                    </p:animEffect>
-                                  </p:childTnLst>
-                                </p:cTn>
-                              </p:par>
-                            </p:childTnLst>
-                          </p:cTn>
-                        </p:par>
-                      </p:childTnLst>
-                    </p:cTn>
-                  </p:par>
-                  <p:par>
-                    <p:cTn id="13" fill="hold">
-                      <p:stCondLst>
-                        <p:cond delay="indefinite"/>
-                      </p:stCondLst>
-                      <p:childTnLst>
-                        <p:par>
-                          <p:cTn id="14" fill="hold">
-                            <p:stCondLst>
-                              <p:cond delay="0"/>
-                            </p:stCondLst>
-                            <p:childTnLst>
-                              <p:par>
-                                <p:cTn id="15" presetID="10" presetClass="entr" presetSubtype="0" fill="hold" nodeType="clickEffect">
-                                  <p:stCondLst>
-                                    <p:cond delay="0"/>
-                                  </p:stCondLst>
-                                  <p:childTnLst>
-                                    <p:set>
-                                      <p:cBhvr>
-                                        <p:cTn id="16" dur="1" fill="hold">
-                                          <p:stCondLst>
-                                            <p:cond delay="0"/>
-                                          </p:stCondLst>
-                                        </p:cTn>
-                                        <p:tgtEl>
-                                          <p:spTgt spid="5122"/>
-                                        </p:tgtEl>
-                                        <p:attrNameLst>
-                                          <p:attrName>style.visibility</p:attrName>
-                                        </p:attrNameLst>
-                                      </p:cBhvr>
-                                      <p:to>
-                                        <p:strVal val="visible"/>
-                                      </p:to>
-                                    </p:set>
-                                    <p:animEffect transition="in" filter="fade">
-                                      <p:cBhvr>
-                                        <p:cTn id="17" dur="500"/>
-                                        <p:tgtEl>
-                                          <p:spTgt spid="5122"/>
-                                        </p:tgtEl>
-                                      </p:cBhvr>
-                                    </p:animEffect>
-                                  </p:childTnLst>
-                                </p:cTn>
-                              </p:par>
-                            </p:childTnLst>
-                          </p:cTn>
-                        </p:par>
-                      </p:childTnLst>
-                    </p:cTn>
-                  </p:par>
-                </p:childTnLst>
-              </p:cTn>
-              <p:prevCondLst>
-                <p:cond evt="onPrev" delay="0">
-                  <p:tgtEl>
-                    <p:sldTgt/>
-                  </p:tgtEl>
-                </p:cond>
-              </p:prevCondLst>
-              <p:nextCondLst>
-                <p:cond evt="onNext" delay="0">
-                  <p:tgtEl>
-                    <p:sldTgt/>
-                  </p:tgtEl>
-                </p:cond>
-              </p:nextCondLst>
-            </p:seq>
-          </p:childTnLst>
-        </p:cTn>
+        <p:cTn id="1" dur="indefinite" restart="never" nodeType="tmRoot"/>
       </p:par>
     </p:tnLst>
-    <p:bldLst>
-      <p:bldP spid="2" grpId="0" animBg="1"/>
-      <p:bldP spid="3" grpId="0" build="p"/>
-    </p:bldLst>
   </p:timing>
 </p:sld>
 </file>
@@ -5483,6 +4620,242 @@
       </p:grpSpPr>
       <p:sp>
         <p:nvSpPr>
+          <p:cNvPr id="4" name="Заголовок 3"/>
+          <p:cNvSpPr>
+            <a:spLocks noGrp="1"/>
+          </p:cNvSpPr>
+          <p:nvPr>
+            <p:ph type="title"/>
+          </p:nvPr>
+        </p:nvSpPr>
+        <p:spPr/>
+        <p:txBody>
+          <a:bodyPr/>
+          <a:lstStyle/>
+          <a:p>
+            <a:r>
+              <a:rPr lang="ru-RU" dirty="0"/>
+              <a:t>Строительное дело в Ираке 14-18 века</a:t>
+            </a:r>
+          </a:p>
+        </p:txBody>
+      </p:sp>
+      <p:sp>
+        <p:nvSpPr>
+          <p:cNvPr id="5" name="TextBox 4"/>
+          <p:cNvSpPr txBox="1"/>
+          <p:nvPr/>
+        </p:nvSpPr>
+        <p:spPr>
+          <a:xfrm>
+            <a:off x="524754" y="2474259"/>
+            <a:ext cx="6091199" cy="3693319"/>
+          </a:xfrm>
+          <a:prstGeom prst="rect">
+            <a:avLst/>
+          </a:prstGeom>
+          <a:noFill/>
+        </p:spPr>
+        <p:txBody>
+          <a:bodyPr wrap="square" rtlCol="0">
+            <a:spAutoFit/>
+          </a:bodyPr>
+          <a:lstStyle/>
+          <a:p>
+            <a:r>
+              <a:rPr lang="ru-RU" dirty="0">
+                <a:latin typeface="Times New Roman" panose="02020603050405020304" pitchFamily="18" charset="0"/>
+                <a:cs typeface="Times New Roman" panose="02020603050405020304" pitchFamily="18" charset="0"/>
+              </a:rPr>
+              <a:t>С </a:t>
+            </a:r>
+            <a:r>
+              <a:rPr lang="ru-RU" dirty="0" err="1">
+                <a:latin typeface="Times New Roman" panose="02020603050405020304" pitchFamily="18" charset="0"/>
+                <a:cs typeface="Times New Roman" panose="02020603050405020304" pitchFamily="18" charset="0"/>
+              </a:rPr>
+              <a:t>неменьшей</a:t>
+            </a:r>
+            <a:r>
+              <a:rPr lang="ru-RU" dirty="0">
+                <a:latin typeface="Times New Roman" panose="02020603050405020304" pitchFamily="18" charset="0"/>
+                <a:cs typeface="Times New Roman" panose="02020603050405020304" pitchFamily="18" charset="0"/>
+              </a:rPr>
+              <a:t> роскошью построен мавзолей Мусы </a:t>
+            </a:r>
+            <a:endParaRPr lang="ru-RU" dirty="0" smtClean="0">
+              <a:latin typeface="Times New Roman" panose="02020603050405020304" pitchFamily="18" charset="0"/>
+              <a:cs typeface="Times New Roman" panose="02020603050405020304" pitchFamily="18" charset="0"/>
+            </a:endParaRPr>
+          </a:p>
+          <a:p>
+            <a:r>
+              <a:rPr lang="ru-RU" dirty="0" smtClean="0">
+                <a:latin typeface="Times New Roman" panose="02020603050405020304" pitchFamily="18" charset="0"/>
+                <a:cs typeface="Times New Roman" panose="02020603050405020304" pitchFamily="18" charset="0"/>
+              </a:rPr>
+              <a:t>ал-</a:t>
+            </a:r>
+            <a:r>
+              <a:rPr lang="ru-RU" dirty="0" err="1" smtClean="0">
+                <a:latin typeface="Times New Roman" panose="02020603050405020304" pitchFamily="18" charset="0"/>
+                <a:cs typeface="Times New Roman" panose="02020603050405020304" pitchFamily="18" charset="0"/>
+              </a:rPr>
+              <a:t>Кадима</a:t>
+            </a:r>
+            <a:r>
+              <a:rPr lang="ru-RU" dirty="0" smtClean="0">
+                <a:latin typeface="Times New Roman" panose="02020603050405020304" pitchFamily="18" charset="0"/>
+                <a:cs typeface="Times New Roman" panose="02020603050405020304" pitchFamily="18" charset="0"/>
+              </a:rPr>
+              <a:t> </a:t>
+            </a:r>
+            <a:r>
+              <a:rPr lang="ru-RU" dirty="0">
+                <a:latin typeface="Times New Roman" panose="02020603050405020304" pitchFamily="18" charset="0"/>
+                <a:cs typeface="Times New Roman" panose="02020603050405020304" pitchFamily="18" charset="0"/>
+              </a:rPr>
+              <a:t>в Багдаде (закончен в 1515 г. и </a:t>
+            </a:r>
+            <a:r>
+              <a:rPr lang="ru-RU" dirty="0" smtClean="0">
+                <a:latin typeface="Times New Roman" panose="02020603050405020304" pitchFamily="18" charset="0"/>
+                <a:cs typeface="Times New Roman" panose="02020603050405020304" pitchFamily="18" charset="0"/>
+              </a:rPr>
+              <a:t>обновлён </a:t>
+            </a:r>
+            <a:r>
+              <a:rPr lang="ru-RU" dirty="0">
+                <a:latin typeface="Times New Roman" panose="02020603050405020304" pitchFamily="18" charset="0"/>
+                <a:cs typeface="Times New Roman" panose="02020603050405020304" pitchFamily="18" charset="0"/>
+              </a:rPr>
+              <a:t>в XVII в.) с двумя большими золочеными куполами и четырьмя минаретами по углам, сверкающий внутри мрамором и стеклянной мозаикой. За свои купола он получил название Золотой </a:t>
+            </a:r>
+            <a:r>
+              <a:rPr lang="ru-RU" dirty="0" smtClean="0">
+                <a:latin typeface="Times New Roman" panose="02020603050405020304" pitchFamily="18" charset="0"/>
+                <a:cs typeface="Times New Roman" panose="02020603050405020304" pitchFamily="18" charset="0"/>
+              </a:rPr>
+              <a:t>мечети.</a:t>
+            </a:r>
+            <a:endParaRPr lang="ru-RU" dirty="0">
+              <a:latin typeface="Times New Roman" panose="02020603050405020304" pitchFamily="18" charset="0"/>
+              <a:cs typeface="Times New Roman" panose="02020603050405020304" pitchFamily="18" charset="0"/>
+            </a:endParaRPr>
+          </a:p>
+          <a:p>
+            <a:endParaRPr lang="ru-RU" dirty="0">
+              <a:latin typeface="Times New Roman" panose="02020603050405020304" pitchFamily="18" charset="0"/>
+              <a:cs typeface="Times New Roman" panose="02020603050405020304" pitchFamily="18" charset="0"/>
+            </a:endParaRPr>
+          </a:p>
+          <a:p>
+            <a:r>
+              <a:rPr lang="ru-RU" dirty="0">
+                <a:latin typeface="Times New Roman" panose="02020603050405020304" pitchFamily="18" charset="0"/>
+                <a:cs typeface="Times New Roman" panose="02020603050405020304" pitchFamily="18" charset="0"/>
+              </a:rPr>
+              <a:t>Несмотря на монументальный масштаб и богатство декора, поздние постройки Ирака лишены своеобразия и значительности, которыми отмечены ранние памятники</a:t>
+            </a:r>
+            <a:r>
+              <a:rPr lang="ru-RU" dirty="0" smtClean="0">
+                <a:latin typeface="Times New Roman" panose="02020603050405020304" pitchFamily="18" charset="0"/>
+                <a:cs typeface="Times New Roman" panose="02020603050405020304" pitchFamily="18" charset="0"/>
+              </a:rPr>
+              <a:t>.</a:t>
+            </a:r>
+          </a:p>
+          <a:p>
+            <a:r>
+              <a:rPr lang="ru-RU" dirty="0">
+                <a:latin typeface="Times New Roman" panose="02020603050405020304" pitchFamily="18" charset="0"/>
+                <a:cs typeface="Times New Roman" panose="02020603050405020304" pitchFamily="18" charset="0"/>
+              </a:rPr>
+              <a:t>В архитектуре жилища дворового плана с портиками и лоджиями, нишами, решетками, резным стуком и росписью много общего со среднеазиатским жилищем.</a:t>
+            </a:r>
+          </a:p>
+        </p:txBody>
+      </p:sp>
+      <p:pic>
+        <p:nvPicPr>
+          <p:cNvPr id="2050" name="Picture 2" descr="Мавзолей Мусы альКадима т н Золотая мечеть в Багдаде 1515 реставрация в 17  и в середине 20 вв"/>
+          <p:cNvPicPr>
+            <a:picLocks noChangeAspect="1" noChangeArrowheads="1"/>
+          </p:cNvPicPr>
+          <p:nvPr/>
+        </p:nvPicPr>
+        <p:blipFill>
+          <a:blip r:embed="rId2">
+            <a:extLst>
+              <a:ext uri="{28A0092B-C50C-407E-A947-70E740481C1C}">
+                <a14:useLocalDpi xmlns:a14="http://schemas.microsoft.com/office/drawing/2010/main" val="0"/>
+              </a:ext>
+            </a:extLst>
+          </a:blip>
+          <a:srcRect/>
+          <a:stretch>
+            <a:fillRect/>
+          </a:stretch>
+        </p:blipFill>
+        <p:spPr bwMode="auto">
+          <a:xfrm>
+            <a:off x="6803801" y="2474259"/>
+            <a:ext cx="4762500" cy="3533776"/>
+          </a:xfrm>
+          <a:prstGeom prst="rect">
+            <a:avLst/>
+          </a:prstGeom>
+          <a:noFill/>
+          <a:extLst>
+            <a:ext uri="{909E8E84-426E-40DD-AFC4-6F175D3DCCD1}">
+              <a14:hiddenFill xmlns:a14="http://schemas.microsoft.com/office/drawing/2010/main">
+                <a:solidFill>
+                  <a:srgbClr val="FFFFFF"/>
+                </a:solidFill>
+              </a14:hiddenFill>
+            </a:ext>
+          </a:extLst>
+        </p:spPr>
+      </p:pic>
+    </p:spTree>
+    <p:extLst>
+      <p:ext uri="{BB962C8B-B14F-4D97-AF65-F5344CB8AC3E}">
+        <p14:creationId xmlns:p14="http://schemas.microsoft.com/office/powerpoint/2010/main" val="3235629878"/>
+      </p:ext>
+    </p:extLst>
+  </p:cSld>
+  <p:clrMapOvr>
+    <a:masterClrMapping/>
+  </p:clrMapOvr>
+  <p:timing>
+    <p:tnLst>
+      <p:par>
+        <p:cTn id="1" dur="indefinite" restart="never" nodeType="tmRoot"/>
+      </p:par>
+    </p:tnLst>
+  </p:timing>
+</p:sld>
+</file>
+
+<file path=ppt/slides/slide8.xml><?xml version="1.0" encoding="utf-8"?>
+<p:sld xmlns:a="http://schemas.openxmlformats.org/drawingml/2006/main" xmlns:r="http://schemas.openxmlformats.org/officeDocument/2006/relationships" xmlns:p="http://schemas.openxmlformats.org/presentationml/2006/main">
+  <p:cSld>
+    <p:spTree>
+      <p:nvGrpSpPr>
+        <p:cNvPr id="1" name=""/>
+        <p:cNvGrpSpPr/>
+        <p:nvPr/>
+      </p:nvGrpSpPr>
+      <p:grpSpPr>
+        <a:xfrm>
+          <a:off x="0" y="0"/>
+          <a:ext cx="0" cy="0"/>
+          <a:chOff x="0" y="0"/>
+          <a:chExt cx="0" cy="0"/>
+        </a:xfrm>
+      </p:grpSpPr>
+      <p:sp>
+        <p:nvSpPr>
           <p:cNvPr id="2" name="Заголовок 1">
             <a:extLst>
               <a:ext uri="{FF2B5EF4-FFF2-40B4-BE49-F238E27FC236}">
@@ -5538,7 +4911,7 @@
           <a:lstStyle/>
           <a:p>
             <a:r>
-              <a:rPr lang="ru-RU" sz="1800" spc="-10" dirty="0">
+              <a:rPr lang="ru-RU" sz="1800" spc="-10" dirty="0" smtClean="0">
                 <a:solidFill>
                   <a:srgbClr val="000000"/>
                 </a:solidFill>
@@ -5547,10 +4920,22 @@
                 <a:ea typeface="Times New Roman" panose="02020603050405020304" pitchFamily="18" charset="0"/>
                 <a:cs typeface="Times New Roman" panose="02020603050405020304" pitchFamily="18" charset="0"/>
               </a:rPr>
-              <a:t>Самым известным зданием был Хан </a:t>
-            </a:r>
-            <a:r>
-              <a:rPr lang="ru-RU" sz="1800" spc="-10" dirty="0" err="1">
+              <a:t>Одним из самых известных зданий </a:t>
+            </a:r>
+            <a:r>
+              <a:rPr lang="ru-RU" sz="1800" spc="-10" dirty="0">
+                <a:solidFill>
+                  <a:srgbClr val="000000"/>
+                </a:solidFill>
+                <a:effectLst/>
+                <a:latin typeface="Times New Roman" panose="02020603050405020304" pitchFamily="18" charset="0"/>
+                <a:ea typeface="Times New Roman" panose="02020603050405020304" pitchFamily="18" charset="0"/>
+                <a:cs typeface="Times New Roman" panose="02020603050405020304" pitchFamily="18" charset="0"/>
+              </a:rPr>
+              <a:t>был Хан </a:t>
+            </a:r>
+            <a:r>
+              <a:rPr lang="ru-RU" sz="1800" spc="-10" dirty="0" err="1" smtClean="0">
                 <a:solidFill>
                   <a:srgbClr val="000000"/>
                 </a:solidFill>
@@ -5562,7 +4947,18 @@
               <a:t>Мурджан</a:t>
             </a:r>
             <a:r>
-              <a:rPr lang="ru-RU" sz="1800" spc="-10" dirty="0">
+              <a:rPr lang="ru-RU" spc="-10" dirty="0" smtClean="0">
+                <a:solidFill>
+                  <a:srgbClr val="000000"/>
+                </a:solidFill>
+                <a:latin typeface="Times New Roman" panose="02020603050405020304" pitchFamily="18" charset="0"/>
+                <a:ea typeface="Times New Roman" panose="02020603050405020304" pitchFamily="18" charset="0"/>
+                <a:cs typeface="Times New Roman" panose="02020603050405020304" pitchFamily="18" charset="0"/>
+              </a:rPr>
+              <a:t>. </a:t>
+            </a:r>
+            <a:r>
+              <a:rPr lang="ru-RU" sz="1800" spc="-10" dirty="0" smtClean="0">
                 <a:solidFill>
                   <a:srgbClr val="000000"/>
                 </a:solidFill>
@@ -5571,31 +4967,7 @@
                 <a:ea typeface="Times New Roman" panose="02020603050405020304" pitchFamily="18" charset="0"/>
                 <a:cs typeface="Times New Roman" panose="02020603050405020304" pitchFamily="18" charset="0"/>
               </a:rPr>
-              <a:t> (рис. 1) [</a:t>
-            </a:r>
-            <a:r>
-              <a:rPr lang="ru-RU" sz="1800" spc="-10" dirty="0" err="1">
-                <a:solidFill>
-                  <a:srgbClr val="000000"/>
-                </a:solidFill>
-                <a:effectLst/>
-                <a:latin typeface="Times New Roman" panose="02020603050405020304" pitchFamily="18" charset="0"/>
-                <a:ea typeface="Times New Roman" panose="02020603050405020304" pitchFamily="18" charset="0"/>
-                <a:cs typeface="Times New Roman" panose="02020603050405020304" pitchFamily="18" charset="0"/>
-              </a:rPr>
-              <a:t>Тартур</a:t>
-            </a:r>
-            <a:r>
-              <a:rPr lang="ru-RU" sz="1800" spc="-10" dirty="0">
-                <a:solidFill>
-                  <a:srgbClr val="000000"/>
-                </a:solidFill>
-                <a:effectLst/>
-                <a:latin typeface="Times New Roman" panose="02020603050405020304" pitchFamily="18" charset="0"/>
-                <a:ea typeface="Times New Roman" panose="02020603050405020304" pitchFamily="18" charset="0"/>
-                <a:cs typeface="Times New Roman" panose="02020603050405020304" pitchFamily="18" charset="0"/>
-              </a:rPr>
-              <a:t>, 1987] Хан </a:t>
+              <a:t>Хан </a:t>
             </a:r>
             <a:r>
               <a:rPr lang="ru-RU" sz="1800" spc="-10" dirty="0" err="1">
@@ -5673,220 +5045,23 @@
   </p:clrMapOvr>
   <mc:AlternateContent xmlns:mc="http://schemas.openxmlformats.org/markup-compatibility/2006">
     <mc:Choice xmlns:p14="http://schemas.microsoft.com/office/powerpoint/2010/main" Requires="p14">
-      <p:transition spd="med" p14:dur="700">
-        <p:fade/>
-      </p:transition>
+      <p:transition p14:dur="0"/>
     </mc:Choice>
     <mc:Fallback>
-      <p:transition spd="med">
-        <p:fade/>
-      </p:transition>
+      <p:transition/>
     </mc:Fallback>
   </mc:AlternateContent>
   <p:timing>
     <p:tnLst>
       <p:par>
-        <p:cTn id="1" dur="indefinite" restart="never" nodeType="tmRoot">
-          <p:childTnLst>
-            <p:seq concurrent="1" nextAc="seek">
-              <p:cTn id="2" dur="indefinite" nodeType="mainSeq">
-                <p:childTnLst>
-                  <p:par>
-                    <p:cTn id="3" fill="hold">
-                      <p:stCondLst>
-                        <p:cond delay="indefinite"/>
-                      </p:stCondLst>
-                      <p:childTnLst>
-                        <p:par>
-                          <p:cTn id="4" fill="hold">
-                            <p:stCondLst>
-                              <p:cond delay="0"/>
-                            </p:stCondLst>
-                            <p:childTnLst>
-                              <p:par>
-                                <p:cTn id="5" presetID="10" presetClass="entr" presetSubtype="0" fill="hold" grpId="0" nodeType="clickEffect">
-                                  <p:stCondLst>
-                                    <p:cond delay="0"/>
-                                  </p:stCondLst>
-                                  <p:childTnLst>
-                                    <p:set>
-                                      <p:cBhvr>
-                                        <p:cTn id="6" dur="1" fill="hold">
-                                          <p:stCondLst>
-                                            <p:cond delay="0"/>
-                                          </p:stCondLst>
-                                        </p:cTn>
-                                        <p:tgtEl>
-                                          <p:spTgt spid="2"/>
-                                        </p:tgtEl>
-                                        <p:attrNameLst>
-                                          <p:attrName>style.visibility</p:attrName>
-                                        </p:attrNameLst>
-                                      </p:cBhvr>
-                                      <p:to>
-                                        <p:strVal val="visible"/>
-                                      </p:to>
-                                    </p:set>
-                                    <p:animEffect transition="in" filter="fade">
-                                      <p:cBhvr>
-                                        <p:cTn id="7" dur="500"/>
-                                        <p:tgtEl>
-                                          <p:spTgt spid="2"/>
-                                        </p:tgtEl>
-                                      </p:cBhvr>
-                                    </p:animEffect>
-                                  </p:childTnLst>
-                                </p:cTn>
-                              </p:par>
-                            </p:childTnLst>
-                          </p:cTn>
-                        </p:par>
-                      </p:childTnLst>
-                    </p:cTn>
-                  </p:par>
-                  <p:par>
-                    <p:cTn id="8" fill="hold">
-                      <p:stCondLst>
-                        <p:cond delay="indefinite"/>
-                      </p:stCondLst>
-                      <p:childTnLst>
-                        <p:par>
-                          <p:cTn id="9" fill="hold">
-                            <p:stCondLst>
-                              <p:cond delay="0"/>
-                            </p:stCondLst>
-                            <p:childTnLst>
-                              <p:par>
-                                <p:cTn id="10" presetID="10" presetClass="entr" presetSubtype="0" fill="hold" nodeType="clickEffect">
-                                  <p:stCondLst>
-                                    <p:cond delay="0"/>
-                                  </p:stCondLst>
-                                  <p:childTnLst>
-                                    <p:set>
-                                      <p:cBhvr>
-                                        <p:cTn id="11" dur="1" fill="hold">
-                                          <p:stCondLst>
-                                            <p:cond delay="0"/>
-                                          </p:stCondLst>
-                                        </p:cTn>
-                                        <p:tgtEl>
-                                          <p:spTgt spid="4"/>
-                                        </p:tgtEl>
-                                        <p:attrNameLst>
-                                          <p:attrName>style.visibility</p:attrName>
-                                        </p:attrNameLst>
-                                      </p:cBhvr>
-                                      <p:to>
-                                        <p:strVal val="visible"/>
-                                      </p:to>
-                                    </p:set>
-                                    <p:animEffect transition="in" filter="fade">
-                                      <p:cBhvr>
-                                        <p:cTn id="12" dur="500"/>
-                                        <p:tgtEl>
-                                          <p:spTgt spid="4"/>
-                                        </p:tgtEl>
-                                      </p:cBhvr>
-                                    </p:animEffect>
-                                  </p:childTnLst>
-                                </p:cTn>
-                              </p:par>
-                            </p:childTnLst>
-                          </p:cTn>
-                        </p:par>
-                      </p:childTnLst>
-                    </p:cTn>
-                  </p:par>
-                  <p:par>
-                    <p:cTn id="13" fill="hold">
-                      <p:stCondLst>
-                        <p:cond delay="indefinite"/>
-                      </p:stCondLst>
-                      <p:childTnLst>
-                        <p:par>
-                          <p:cTn id="14" fill="hold">
-                            <p:stCondLst>
-                              <p:cond delay="0"/>
-                            </p:stCondLst>
-                            <p:childTnLst>
-                              <p:par>
-                                <p:cTn id="15" presetID="10" presetClass="entr" presetSubtype="0" fill="hold" nodeType="clickEffect">
-                                  <p:stCondLst>
-                                    <p:cond delay="0"/>
-                                  </p:stCondLst>
-                                  <p:childTnLst>
-                                    <p:set>
-                                      <p:cBhvr>
-                                        <p:cTn id="16" dur="1" fill="hold">
-                                          <p:stCondLst>
-                                            <p:cond delay="0"/>
-                                          </p:stCondLst>
-                                        </p:cTn>
-                                        <p:tgtEl>
-                                          <p:spTgt spid="3">
-                                            <p:txEl>
-                                              <p:pRg st="0" end="0"/>
-                                            </p:txEl>
-                                          </p:spTgt>
-                                        </p:tgtEl>
-                                        <p:attrNameLst>
-                                          <p:attrName>style.visibility</p:attrName>
-                                        </p:attrNameLst>
-                                      </p:cBhvr>
-                                      <p:to>
-                                        <p:strVal val="visible"/>
-                                      </p:to>
-                                    </p:set>
-                                    <p:animEffect transition="in" filter="fade">
-                                      <p:cBhvr>
-                                        <p:cTn id="17" dur="500"/>
-                                        <p:tgtEl>
-                                          <p:spTgt spid="3">
-                                            <p:txEl>
-                                              <p:pRg st="0" end="0"/>
-                                            </p:txEl>
-                                          </p:spTgt>
-                                        </p:tgtEl>
-                                      </p:cBhvr>
-                                    </p:animEffect>
-                                  </p:childTnLst>
-                                </p:cTn>
-                              </p:par>
-                            </p:childTnLst>
-                          </p:cTn>
-                        </p:par>
-                      </p:childTnLst>
-                    </p:cTn>
-                  </p:par>
-                </p:childTnLst>
-              </p:cTn>
-              <p:prevCondLst>
-                <p:cond evt="onPrev" delay="0">
-                  <p:tgtEl>
-                    <p:sldTgt/>
-                  </p:tgtEl>
-                </p:cond>
-              </p:prevCondLst>
-              <p:nextCondLst>
-                <p:cond evt="onNext" delay="0">
-                  <p:tgtEl>
-                    <p:sldTgt/>
-                  </p:tgtEl>
-                </p:cond>
-              </p:nextCondLst>
-            </p:seq>
-          </p:childTnLst>
-        </p:cTn>
+        <p:cTn id="1" dur="indefinite" restart="never" nodeType="tmRoot"/>
       </p:par>
     </p:tnLst>
-    <p:bldLst>
-      <p:bldP spid="2" grpId="0" animBg="1"/>
-    </p:bldLst>
   </p:timing>
 </p:sld>
 </file>
 
-<file path=ppt/slides/slide8.xml><?xml version="1.0" encoding="utf-8"?>
+<file path=ppt/slides/slide9.xml><?xml version="1.0" encoding="utf-8"?>
 <p:sld xmlns:a="http://schemas.openxmlformats.org/drawingml/2006/main" xmlns:r="http://schemas.openxmlformats.org/officeDocument/2006/relationships" xmlns:p="http://schemas.openxmlformats.org/presentationml/2006/main">
   <p:cSld>
     <p:spTree>
@@ -5970,10 +5145,10 @@
                 <a:ea typeface="Times New Roman" panose="02020603050405020304" pitchFamily="18" charset="0"/>
                 <a:cs typeface="Times New Roman" panose="02020603050405020304" pitchFamily="18" charset="0"/>
               </a:rPr>
-              <a:t>Используемый стиль был основан на финансовых возможностях владельца и опыте строителей [Al </a:t>
-            </a:r>
-            <a:r>
-              <a:rPr lang="ru-RU" sz="1800" spc="-10" dirty="0" err="1">
+              <a:t>Используемый стиль был основан на финансовых возможностях владельца и опыте </a:t>
+            </a:r>
+            <a:r>
+              <a:rPr lang="ru-RU" sz="1800" spc="-10" dirty="0" smtClean="0">
                 <a:solidFill>
                   <a:srgbClr val="000000"/>
                 </a:solidFill>
@@ -5982,7 +5157,7 @@
                 <a:ea typeface="Times New Roman" panose="02020603050405020304" pitchFamily="18" charset="0"/>
                 <a:cs typeface="Times New Roman" panose="02020603050405020304" pitchFamily="18" charset="0"/>
               </a:rPr>
-              <a:t>Ali</a:t>
+              <a:t>строителей. Дома </a:t>
             </a:r>
             <a:r>
               <a:rPr lang="ru-RU" sz="1800" spc="-10" dirty="0">
@@ -5994,7 +5169,31 @@
                 <a:ea typeface="Times New Roman" panose="02020603050405020304" pitchFamily="18" charset="0"/>
                 <a:cs typeface="Times New Roman" panose="02020603050405020304" pitchFamily="18" charset="0"/>
               </a:rPr>
-              <a:t>, 1982]. Дома были построены либо в один, либо в два этажа (рис. 2). Дома состоят из открытого прямоугольного или квадратного внутреннего двора посередине, окруженного домами и комнатами. Во всех домах есть подвал, который будет использоваться в жаркий климат. Материалы, используемые в здании, были построены из кирпича, глины, гипса и ила, смешанного в качестве связующего. </a:t>
+              <a:t>были построены либо в один, либо в два </a:t>
+            </a:r>
+            <a:r>
+              <a:rPr lang="ru-RU" sz="1800" spc="-10" dirty="0" smtClean="0">
+                <a:solidFill>
+                  <a:srgbClr val="000000"/>
+                </a:solidFill>
+                <a:effectLst/>
+                <a:latin typeface="Times New Roman" panose="02020603050405020304" pitchFamily="18" charset="0"/>
+                <a:ea typeface="Times New Roman" panose="02020603050405020304" pitchFamily="18" charset="0"/>
+                <a:cs typeface="Times New Roman" panose="02020603050405020304" pitchFamily="18" charset="0"/>
+              </a:rPr>
+              <a:t>этажа. Дома </a:t>
+            </a:r>
+            <a:r>
+              <a:rPr lang="ru-RU" sz="1800" spc="-10" dirty="0">
+                <a:solidFill>
+                  <a:srgbClr val="000000"/>
+                </a:solidFill>
+                <a:effectLst/>
+                <a:latin typeface="Times New Roman" panose="02020603050405020304" pitchFamily="18" charset="0"/>
+                <a:ea typeface="Times New Roman" panose="02020603050405020304" pitchFamily="18" charset="0"/>
+                <a:cs typeface="Times New Roman" panose="02020603050405020304" pitchFamily="18" charset="0"/>
+              </a:rPr>
+              <a:t>состоят из открытого прямоугольного или квадратного внутреннего двора посередине, окруженного домами и комнатами. Во всех домах есть подвал, который будет использоваться в жаркий климат. Материалы, используемые в здании, были построены из кирпича, глины, гипса и ила, смешанного в качестве связующего. </a:t>
             </a:r>
             <a:endParaRPr lang="ru-RU" sz="1800" dirty="0">
               <a:effectLst/>
@@ -6048,216 +5247,18 @@
   </p:clrMapOvr>
   <mc:AlternateContent xmlns:mc="http://schemas.openxmlformats.org/markup-compatibility/2006">
     <mc:Choice xmlns:p14="http://schemas.microsoft.com/office/powerpoint/2010/main" Requires="p14">
-      <p:transition spd="med" p14:dur="700">
-        <p:fade/>
-      </p:transition>
+      <p:transition p14:dur="0"/>
     </mc:Choice>
     <mc:Fallback>
-      <p:transition spd="med">
-        <p:fade/>
-      </p:transition>
+      <p:transition/>
     </mc:Fallback>
   </mc:AlternateContent>
   <p:timing>
     <p:tnLst>
       <p:par>
-        <p:cTn id="1" dur="indefinite" restart="never" nodeType="tmRoot">
-          <p:childTnLst>
-            <p:seq concurrent="1" nextAc="seek">
-              <p:cTn id="2" dur="indefinite" nodeType="mainSeq">
-                <p:childTnLst>
-                  <p:par>
-                    <p:cTn id="3" fill="hold">
-                      <p:stCondLst>
-                        <p:cond delay="indefinite"/>
-                      </p:stCondLst>
-                      <p:childTnLst>
-                        <p:par>
-                          <p:cTn id="4" fill="hold">
-                            <p:stCondLst>
-                              <p:cond delay="0"/>
-                            </p:stCondLst>
-                            <p:childTnLst>
-                              <p:par>
-                                <p:cTn id="5" presetID="10" presetClass="entr" presetSubtype="0" fill="hold" grpId="0" nodeType="clickEffect">
-                                  <p:stCondLst>
-                                    <p:cond delay="0"/>
-                                  </p:stCondLst>
-                                  <p:childTnLst>
-                                    <p:set>
-                                      <p:cBhvr>
-                                        <p:cTn id="6" dur="1" fill="hold">
-                                          <p:stCondLst>
-                                            <p:cond delay="0"/>
-                                          </p:stCondLst>
-                                        </p:cTn>
-                                        <p:tgtEl>
-                                          <p:spTgt spid="2"/>
-                                        </p:tgtEl>
-                                        <p:attrNameLst>
-                                          <p:attrName>style.visibility</p:attrName>
-                                        </p:attrNameLst>
-                                      </p:cBhvr>
-                                      <p:to>
-                                        <p:strVal val="visible"/>
-                                      </p:to>
-                                    </p:set>
-                                    <p:animEffect transition="in" filter="fade">
-                                      <p:cBhvr>
-                                        <p:cTn id="7" dur="500"/>
-                                        <p:tgtEl>
-                                          <p:spTgt spid="2"/>
-                                        </p:tgtEl>
-                                      </p:cBhvr>
-                                    </p:animEffect>
-                                  </p:childTnLst>
-                                </p:cTn>
-                              </p:par>
-                            </p:childTnLst>
-                          </p:cTn>
-                        </p:par>
-                      </p:childTnLst>
-                    </p:cTn>
-                  </p:par>
-                  <p:par>
-                    <p:cTn id="8" fill="hold">
-                      <p:stCondLst>
-                        <p:cond delay="indefinite"/>
-                      </p:stCondLst>
-                      <p:childTnLst>
-                        <p:par>
-                          <p:cTn id="9" fill="hold">
-                            <p:stCondLst>
-                              <p:cond delay="0"/>
-                            </p:stCondLst>
-                            <p:childTnLst>
-                              <p:par>
-                                <p:cTn id="10" presetID="10" presetClass="entr" presetSubtype="0" fill="hold" grpId="0" nodeType="clickEffect">
-                                  <p:stCondLst>
-                                    <p:cond delay="0"/>
-                                  </p:stCondLst>
-                                  <p:childTnLst>
-                                    <p:set>
-                                      <p:cBhvr>
-                                        <p:cTn id="11" dur="1" fill="hold">
-                                          <p:stCondLst>
-                                            <p:cond delay="0"/>
-                                          </p:stCondLst>
-                                        </p:cTn>
-                                        <p:tgtEl>
-                                          <p:spTgt spid="3">
-                                            <p:txEl>
-                                              <p:pRg st="0" end="0"/>
-                                            </p:txEl>
-                                          </p:spTgt>
-                                        </p:tgtEl>
-                                        <p:attrNameLst>
-                                          <p:attrName>style.visibility</p:attrName>
-                                        </p:attrNameLst>
-                                      </p:cBhvr>
-                                      <p:to>
-                                        <p:strVal val="visible"/>
-                                      </p:to>
-                                    </p:set>
-                                    <p:animEffect transition="in" filter="fade">
-                                      <p:cBhvr>
-                                        <p:cTn id="12" dur="500"/>
-                                        <p:tgtEl>
-                                          <p:spTgt spid="3">
-                                            <p:txEl>
-                                              <p:pRg st="0" end="0"/>
-                                            </p:txEl>
-                                          </p:spTgt>
-                                        </p:tgtEl>
-                                      </p:cBhvr>
-                                    </p:animEffect>
-                                  </p:childTnLst>
-                                </p:cTn>
-                              </p:par>
-                            </p:childTnLst>
-                          </p:cTn>
-                        </p:par>
-                      </p:childTnLst>
-                    </p:cTn>
-                  </p:par>
-                  <p:par>
-                    <p:cTn id="13" fill="hold">
-                      <p:stCondLst>
-                        <p:cond delay="indefinite"/>
-                      </p:stCondLst>
-                      <p:childTnLst>
-                        <p:par>
-                          <p:cTn id="14" fill="hold">
-                            <p:stCondLst>
-                              <p:cond delay="0"/>
-                            </p:stCondLst>
-                            <p:childTnLst>
-                              <p:par>
-                                <p:cTn id="15" presetID="10" presetClass="entr" presetSubtype="0" fill="hold" nodeType="clickEffect">
-                                  <p:stCondLst>
-                                    <p:cond delay="0"/>
-                                  </p:stCondLst>
-                                  <p:childTnLst>
-                                    <p:set>
-                                      <p:cBhvr>
-                                        <p:cTn id="16" dur="1" fill="hold">
-                                          <p:stCondLst>
-                                            <p:cond delay="0"/>
-                                          </p:stCondLst>
-                                        </p:cTn>
-                                        <p:tgtEl>
-                                          <p:spTgt spid="4"/>
-                                        </p:tgtEl>
-                                        <p:attrNameLst>
-                                          <p:attrName>style.visibility</p:attrName>
-                                        </p:attrNameLst>
-                                      </p:cBhvr>
-                                      <p:to>
-                                        <p:strVal val="visible"/>
-                                      </p:to>
-                                    </p:set>
-                                    <p:animEffect transition="in" filter="fade">
-                                      <p:cBhvr>
-                                        <p:cTn id="17" dur="500"/>
-                                        <p:tgtEl>
-                                          <p:spTgt spid="4"/>
-                                        </p:tgtEl>
-                                      </p:cBhvr>
-                                    </p:animEffect>
-                                  </p:childTnLst>
-                                </p:cTn>
-                              </p:par>
-                            </p:childTnLst>
-                          </p:cTn>
-                        </p:par>
-                      </p:childTnLst>
-                    </p:cTn>
-                  </p:par>
-                </p:childTnLst>
-              </p:cTn>
-              <p:prevCondLst>
-                <p:cond evt="onPrev" delay="0">
-                  <p:tgtEl>
-                    <p:sldTgt/>
-                  </p:tgtEl>
-                </p:cond>
-              </p:prevCondLst>
-              <p:nextCondLst>
-                <p:cond evt="onNext" delay="0">
-                  <p:tgtEl>
-                    <p:sldTgt/>
-                  </p:tgtEl>
-                </p:cond>
-              </p:nextCondLst>
-            </p:seq>
-          </p:childTnLst>
-        </p:cTn>
+        <p:cTn id="1" dur="indefinite" restart="never" nodeType="tmRoot"/>
       </p:par>
     </p:tnLst>
-    <p:bldLst>
-      <p:bldP spid="2" grpId="0" animBg="1"/>
-      <p:bldP spid="3" grpId="0" build="p"/>
-    </p:bldLst>
   </p:timing>
 </p:sld>
 </file>
